--- a/presentations/ep1000_cutting/ep1000_cutting.pptx
+++ b/presentations/ep1000_cutting/ep1000_cutting.pptx
@@ -5,7 +5,7 @@
     <p:sldMasterId id="2147483660" r:id="rId1"/>
   </p:sldMasterIdLst>
   <p:notesMasterIdLst>
-    <p:notesMasterId r:id="rId17"/>
+    <p:notesMasterId r:id="rId35"/>
   </p:notesMasterIdLst>
   <p:sldIdLst>
     <p:sldId id="256" r:id="rId2"/>
@@ -22,7 +22,25 @@
     <p:sldId id="284" r:id="rId13"/>
     <p:sldId id="279" r:id="rId14"/>
     <p:sldId id="285" r:id="rId15"/>
-    <p:sldId id="259" r:id="rId16"/>
+    <p:sldId id="286" r:id="rId16"/>
+    <p:sldId id="287" r:id="rId17"/>
+    <p:sldId id="288" r:id="rId18"/>
+    <p:sldId id="289" r:id="rId19"/>
+    <p:sldId id="290" r:id="rId20"/>
+    <p:sldId id="291" r:id="rId21"/>
+    <p:sldId id="292" r:id="rId22"/>
+    <p:sldId id="293" r:id="rId23"/>
+    <p:sldId id="296" r:id="rId24"/>
+    <p:sldId id="294" r:id="rId25"/>
+    <p:sldId id="295" r:id="rId26"/>
+    <p:sldId id="297" r:id="rId27"/>
+    <p:sldId id="298" r:id="rId28"/>
+    <p:sldId id="299" r:id="rId29"/>
+    <p:sldId id="300" r:id="rId30"/>
+    <p:sldId id="301" r:id="rId31"/>
+    <p:sldId id="302" r:id="rId32"/>
+    <p:sldId id="303" r:id="rId33"/>
+    <p:sldId id="259" r:id="rId34"/>
   </p:sldIdLst>
   <p:sldSz cx="9144000" cy="6858000" type="screen4x3"/>
   <p:notesSz cx="6858000" cy="9144000"/>
@@ -211,7 +229,7 @@
           <a:p>
             <a:fld id="{2A875741-58CA-43A4-9946-B635E52C5CD8}" type="datetimeFigureOut">
               <a:rPr lang="en-US" smtClean="0"/>
-              <a:t>5/17/2021</a:t>
+              <a:t>5/19/2021</a:t>
             </a:fld>
             <a:endParaRPr lang="en-US"/>
           </a:p>
@@ -621,7 +639,7 @@
           <a:p>
             <a:fld id="{9665C769-D7C3-4E51-9622-EB882B1C6B88}" type="datetime1">
               <a:rPr lang="en-US" smtClean="0"/>
-              <a:t>5/17/2021</a:t>
+              <a:t>5/19/2021</a:t>
             </a:fld>
             <a:endParaRPr lang="en-US"/>
           </a:p>
@@ -815,7 +833,7 @@
           <a:p>
             <a:fld id="{AC2FA8F2-92AD-4DF3-BB80-1A576E4607C5}" type="datetime1">
               <a:rPr lang="en-US" smtClean="0"/>
-              <a:t>5/17/2021</a:t>
+              <a:t>5/19/2021</a:t>
             </a:fld>
             <a:endParaRPr lang="en-US"/>
           </a:p>
@@ -1014,7 +1032,7 @@
           <a:p>
             <a:fld id="{FF161318-0D48-4B52-BC2D-A0EA8E79725D}" type="datetime1">
               <a:rPr lang="en-US" smtClean="0"/>
-              <a:t>5/17/2021</a:t>
+              <a:t>5/19/2021</a:t>
             </a:fld>
             <a:endParaRPr lang="en-US"/>
           </a:p>
@@ -1208,7 +1226,7 @@
           <a:p>
             <a:fld id="{828929F4-2E32-48E9-8E95-ABAA8EAAF6A9}" type="datetime1">
               <a:rPr lang="en-US" smtClean="0"/>
-              <a:t>5/17/2021</a:t>
+              <a:t>5/19/2021</a:t>
             </a:fld>
             <a:endParaRPr lang="en-US"/>
           </a:p>
@@ -1471,7 +1489,7 @@
           <a:p>
             <a:fld id="{4D668969-C21F-428C-9E53-8D921FF4543A}" type="datetime1">
               <a:rPr lang="en-US" smtClean="0"/>
-              <a:t>5/17/2021</a:t>
+              <a:t>5/19/2021</a:t>
             </a:fld>
             <a:endParaRPr lang="en-US"/>
           </a:p>
@@ -1725,7 +1743,7 @@
           <a:p>
             <a:fld id="{01FB22A5-6159-4D69-BFEE-F4892803599C}" type="datetime1">
               <a:rPr lang="en-US" smtClean="0"/>
-              <a:t>5/17/2021</a:t>
+              <a:t>5/19/2021</a:t>
             </a:fld>
             <a:endParaRPr lang="en-US"/>
           </a:p>
@@ -2119,7 +2137,7 @@
           <a:p>
             <a:fld id="{738CC944-9765-440C-9A18-3DC1DA37440E}" type="datetime1">
               <a:rPr lang="en-US" smtClean="0"/>
-              <a:t>5/17/2021</a:t>
+              <a:t>5/19/2021</a:t>
             </a:fld>
             <a:endParaRPr lang="en-US"/>
           </a:p>
@@ -2253,7 +2271,7 @@
           <a:p>
             <a:fld id="{D8661C67-BB8E-4D16-A78D-460AAF94A53C}" type="datetime1">
               <a:rPr lang="en-US" smtClean="0"/>
-              <a:t>5/17/2021</a:t>
+              <a:t>5/19/2021</a:t>
             </a:fld>
             <a:endParaRPr lang="en-US"/>
           </a:p>
@@ -2364,7 +2382,7 @@
           <a:p>
             <a:fld id="{DBBC12E8-4105-456C-A90A-AF2362FB188F}" type="datetime1">
               <a:rPr lang="en-US" smtClean="0"/>
-              <a:t>5/17/2021</a:t>
+              <a:t>5/19/2021</a:t>
             </a:fld>
             <a:endParaRPr lang="en-US"/>
           </a:p>
@@ -2663,7 +2681,7 @@
           <a:p>
             <a:fld id="{11FD4DDA-56B2-4B92-884C-68E9C78E3003}" type="datetime1">
               <a:rPr lang="en-US" smtClean="0"/>
-              <a:t>5/17/2021</a:t>
+              <a:t>5/19/2021</a:t>
             </a:fld>
             <a:endParaRPr lang="en-US"/>
           </a:p>
@@ -2942,7 +2960,7 @@
           <a:p>
             <a:fld id="{750461B4-47C4-4F2C-98A2-225FD39D225C}" type="datetime1">
               <a:rPr lang="en-US" smtClean="0"/>
-              <a:t>5/17/2021</a:t>
+              <a:t>5/19/2021</a:t>
             </a:fld>
             <a:endParaRPr lang="en-US"/>
           </a:p>
@@ -5075,15 +5093,15 @@
           <p:cNvPr id="2" name="Title 1">
             <a:extLst>
               <a:ext uri="{FF2B5EF4-FFF2-40B4-BE49-F238E27FC236}">
-                <a16:creationId xmlns:a16="http://schemas.microsoft.com/office/drawing/2014/main" id="{29757EC0-C4C7-4C21-8BBD-162462AD095F}"/>
-              </a:ext>
-            </a:extLst>
-          </p:cNvPr>
-          <p:cNvSpPr>
-            <a:spLocks noGrp="1"/>
-          </p:cNvSpPr>
-          <p:nvPr>
-            <p:ph type="ctrTitle"/>
+                <a16:creationId xmlns:a16="http://schemas.microsoft.com/office/drawing/2014/main" id="{1D281CD0-A315-42D4-8780-A0EC3412795F}"/>
+              </a:ext>
+            </a:extLst>
+          </p:cNvPr>
+          <p:cNvSpPr>
+            <a:spLocks noGrp="1"/>
+          </p:cNvSpPr>
+          <p:nvPr>
+            <p:ph type="title"/>
           </p:nvPr>
         </p:nvSpPr>
         <p:spPr/>
@@ -5092,26 +5110,67 @@
           <a:lstStyle/>
           <a:p>
             <a:r>
-              <a:rPr lang="en-US" dirty="0"/>
-              <a:t>EP1000</a:t>
-            </a:r>
-          </a:p>
-        </p:txBody>
-      </p:sp>
-      <p:sp>
-        <p:nvSpPr>
-          <p:cNvPr id="3" name="Subtitle 2">
-            <a:extLst>
-              <a:ext uri="{FF2B5EF4-FFF2-40B4-BE49-F238E27FC236}">
-                <a16:creationId xmlns:a16="http://schemas.microsoft.com/office/drawing/2014/main" id="{1F579C3D-8773-4BAF-B0E2-847945ECA23E}"/>
-              </a:ext>
-            </a:extLst>
-          </p:cNvPr>
-          <p:cNvSpPr>
-            <a:spLocks noGrp="1"/>
-          </p:cNvSpPr>
-          <p:nvPr>
-            <p:ph type="subTitle" idx="1"/>
+              <a:rPr lang="en-SG" dirty="0"/>
+              <a:t>Let’s make a joint</a:t>
+            </a:r>
+            <a:endParaRPr lang="en-US" dirty="0"/>
+          </a:p>
+        </p:txBody>
+      </p:sp>
+      <p:sp>
+        <p:nvSpPr>
+          <p:cNvPr id="3" name="Content Placeholder 2">
+            <a:extLst>
+              <a:ext uri="{FF2B5EF4-FFF2-40B4-BE49-F238E27FC236}">
+                <a16:creationId xmlns:a16="http://schemas.microsoft.com/office/drawing/2014/main" id="{2AB3F2B3-4295-41D9-AD9E-0812FF623E57}"/>
+              </a:ext>
+            </a:extLst>
+          </p:cNvPr>
+          <p:cNvSpPr>
+            <a:spLocks noGrp="1"/>
+          </p:cNvSpPr>
+          <p:nvPr>
+            <p:ph idx="1"/>
+          </p:nvPr>
+        </p:nvSpPr>
+        <p:spPr>
+          <a:xfrm>
+            <a:off x="628650" y="1537390"/>
+            <a:ext cx="7886700" cy="937453"/>
+          </a:xfrm>
+        </p:spPr>
+        <p:txBody>
+          <a:bodyPr/>
+          <a:lstStyle/>
+          <a:p>
+            <a:r>
+              <a:rPr lang="en-SG" sz="2400" dirty="0"/>
+              <a:t>We will use the CADD features to assist us</a:t>
+            </a:r>
+          </a:p>
+          <a:p>
+            <a:r>
+              <a:rPr lang="en-SG" sz="2400" dirty="0"/>
+              <a:t>We would like to join 2 pieces of wood</a:t>
+            </a:r>
+            <a:endParaRPr lang="en-US" sz="2400" dirty="0"/>
+          </a:p>
+        </p:txBody>
+      </p:sp>
+      <p:sp>
+        <p:nvSpPr>
+          <p:cNvPr id="4" name="Slide Number Placeholder 3">
+            <a:extLst>
+              <a:ext uri="{FF2B5EF4-FFF2-40B4-BE49-F238E27FC236}">
+                <a16:creationId xmlns:a16="http://schemas.microsoft.com/office/drawing/2014/main" id="{A2995E5D-B198-4735-B625-5E209BAAB38F}"/>
+              </a:ext>
+            </a:extLst>
+          </p:cNvPr>
+          <p:cNvSpPr>
+            <a:spLocks noGrp="1"/>
+          </p:cNvSpPr>
+          <p:nvPr>
+            <p:ph type="sldNum" sz="quarter" idx="12"/>
           </p:nvPr>
         </p:nvSpPr>
         <p:spPr/>
@@ -5119,27 +5178,946 @@
           <a:bodyPr/>
           <a:lstStyle/>
           <a:p>
-            <a:r>
-              <a:rPr lang="en-US" dirty="0"/>
-              <a:t>Computer Controlled Cutting</a:t>
-            </a:r>
-          </a:p>
-          <a:p>
-            <a:r>
-              <a:rPr lang="en-US" dirty="0">
+            <a:fld id="{CAB166B3-F268-4CEF-878A-CFB0D0D505D3}" type="slidenum">
+              <a:rPr lang="en-US" smtClean="0"/>
+              <a:t>15</a:t>
+            </a:fld>
+            <a:endParaRPr lang="en-US"/>
+          </a:p>
+        </p:txBody>
+      </p:sp>
+      <p:pic>
+        <p:nvPicPr>
+          <p:cNvPr id="8" name="Picture 7">
+            <a:extLst>
+              <a:ext uri="{FF2B5EF4-FFF2-40B4-BE49-F238E27FC236}">
+                <a16:creationId xmlns:a16="http://schemas.microsoft.com/office/drawing/2014/main" id="{910602D3-B0CD-4C9F-8566-9349778E530F}"/>
+              </a:ext>
+            </a:extLst>
+          </p:cNvPr>
+          <p:cNvPicPr>
+            <a:picLocks noChangeAspect="1"/>
+          </p:cNvPicPr>
+          <p:nvPr/>
+        </p:nvPicPr>
+        <p:blipFill>
+          <a:blip r:embed="rId2"/>
+          <a:stretch>
+            <a:fillRect/>
+          </a:stretch>
+        </p:blipFill>
+        <p:spPr>
+          <a:xfrm>
+            <a:off x="925374" y="2474843"/>
+            <a:ext cx="5167313" cy="4166381"/>
+          </a:xfrm>
+          <a:prstGeom prst="rect">
+            <a:avLst/>
+          </a:prstGeom>
+        </p:spPr>
+      </p:pic>
+    </p:spTree>
+    <p:extLst>
+      <p:ext uri="{BB962C8B-B14F-4D97-AF65-F5344CB8AC3E}">
+        <p14:creationId xmlns:p14="http://schemas.microsoft.com/office/powerpoint/2010/main" val="323974723"/>
+      </p:ext>
+    </p:extLst>
+  </p:cSld>
+  <p:clrMapOvr>
+    <a:masterClrMapping/>
+  </p:clrMapOvr>
+</p:sld>
+</file>
+
+<file path=ppt/slides/slide16.xml><?xml version="1.0" encoding="utf-8"?>
+<p:sld xmlns:a="http://schemas.openxmlformats.org/drawingml/2006/main" xmlns:r="http://schemas.openxmlformats.org/officeDocument/2006/relationships" xmlns:p="http://schemas.openxmlformats.org/presentationml/2006/main">
+  <p:cSld>
+    <p:spTree>
+      <p:nvGrpSpPr>
+        <p:cNvPr id="1" name=""/>
+        <p:cNvGrpSpPr/>
+        <p:nvPr/>
+      </p:nvGrpSpPr>
+      <p:grpSpPr>
+        <a:xfrm>
+          <a:off x="0" y="0"/>
+          <a:ext cx="0" cy="0"/>
+          <a:chOff x="0" y="0"/>
+          <a:chExt cx="0" cy="0"/>
+        </a:xfrm>
+      </p:grpSpPr>
+      <p:sp>
+        <p:nvSpPr>
+          <p:cNvPr id="2" name="Title 1">
+            <a:extLst>
+              <a:ext uri="{FF2B5EF4-FFF2-40B4-BE49-F238E27FC236}">
+                <a16:creationId xmlns:a16="http://schemas.microsoft.com/office/drawing/2014/main" id="{33339597-44CA-428A-991B-6FF1582B1E4B}"/>
+              </a:ext>
+            </a:extLst>
+          </p:cNvPr>
+          <p:cNvSpPr>
+            <a:spLocks noGrp="1"/>
+          </p:cNvSpPr>
+          <p:nvPr>
+            <p:ph type="title"/>
+          </p:nvPr>
+        </p:nvSpPr>
+        <p:spPr/>
+        <p:txBody>
+          <a:bodyPr/>
+          <a:lstStyle/>
+          <a:p>
+            <a:r>
+              <a:rPr lang="en-SG" dirty="0"/>
+              <a:t>Drawing Parameters</a:t>
+            </a:r>
+            <a:endParaRPr lang="en-US" dirty="0"/>
+          </a:p>
+        </p:txBody>
+      </p:sp>
+      <p:sp>
+        <p:nvSpPr>
+          <p:cNvPr id="4" name="Slide Number Placeholder 3">
+            <a:extLst>
+              <a:ext uri="{FF2B5EF4-FFF2-40B4-BE49-F238E27FC236}">
+                <a16:creationId xmlns:a16="http://schemas.microsoft.com/office/drawing/2014/main" id="{9F5FE587-2100-4D89-845F-9DDC44C7E7B9}"/>
+              </a:ext>
+            </a:extLst>
+          </p:cNvPr>
+          <p:cNvSpPr>
+            <a:spLocks noGrp="1"/>
+          </p:cNvSpPr>
+          <p:nvPr>
+            <p:ph type="sldNum" sz="quarter" idx="12"/>
+          </p:nvPr>
+        </p:nvSpPr>
+        <p:spPr/>
+        <p:txBody>
+          <a:bodyPr/>
+          <a:lstStyle/>
+          <a:p>
+            <a:fld id="{CAB166B3-F268-4CEF-878A-CFB0D0D505D3}" type="slidenum">
+              <a:rPr lang="en-US" smtClean="0"/>
+              <a:t>16</a:t>
+            </a:fld>
+            <a:endParaRPr lang="en-US"/>
+          </a:p>
+        </p:txBody>
+      </p:sp>
+      <p:pic>
+        <p:nvPicPr>
+          <p:cNvPr id="7" name="Picture 6">
+            <a:extLst>
+              <a:ext uri="{FF2B5EF4-FFF2-40B4-BE49-F238E27FC236}">
+                <a16:creationId xmlns:a16="http://schemas.microsoft.com/office/drawing/2014/main" id="{2B8585D3-9503-425D-AF1D-350530C0C17C}"/>
+              </a:ext>
+            </a:extLst>
+          </p:cNvPr>
+          <p:cNvPicPr>
+            <a:picLocks noChangeAspect="1"/>
+          </p:cNvPicPr>
+          <p:nvPr/>
+        </p:nvPicPr>
+        <p:blipFill>
+          <a:blip r:embed="rId2"/>
+          <a:stretch>
+            <a:fillRect/>
+          </a:stretch>
+        </p:blipFill>
+        <p:spPr>
+          <a:xfrm>
+            <a:off x="628650" y="1389615"/>
+            <a:ext cx="7505700" cy="4714875"/>
+          </a:xfrm>
+          <a:prstGeom prst="rect">
+            <a:avLst/>
+          </a:prstGeom>
+        </p:spPr>
+      </p:pic>
+      <p:pic>
+        <p:nvPicPr>
+          <p:cNvPr id="9" name="Picture 8">
+            <a:extLst>
+              <a:ext uri="{FF2B5EF4-FFF2-40B4-BE49-F238E27FC236}">
+                <a16:creationId xmlns:a16="http://schemas.microsoft.com/office/drawing/2014/main" id="{AF6BE009-DA61-417D-B1F9-406205DB9EAC}"/>
+              </a:ext>
+            </a:extLst>
+          </p:cNvPr>
+          <p:cNvPicPr>
+            <a:picLocks noChangeAspect="1"/>
+          </p:cNvPicPr>
+          <p:nvPr/>
+        </p:nvPicPr>
+        <p:blipFill>
+          <a:blip r:embed="rId3"/>
+          <a:stretch>
+            <a:fillRect/>
+          </a:stretch>
+        </p:blipFill>
+        <p:spPr>
+          <a:xfrm>
+            <a:off x="3157668" y="3494846"/>
+            <a:ext cx="2889119" cy="2329484"/>
+          </a:xfrm>
+          <a:prstGeom prst="rect">
+            <a:avLst/>
+          </a:prstGeom>
+        </p:spPr>
+      </p:pic>
+    </p:spTree>
+    <p:extLst>
+      <p:ext uri="{BB962C8B-B14F-4D97-AF65-F5344CB8AC3E}">
+        <p14:creationId xmlns:p14="http://schemas.microsoft.com/office/powerpoint/2010/main" val="3970251202"/>
+      </p:ext>
+    </p:extLst>
+  </p:cSld>
+  <p:clrMapOvr>
+    <a:masterClrMapping/>
+  </p:clrMapOvr>
+</p:sld>
+</file>
+
+<file path=ppt/slides/slide17.xml><?xml version="1.0" encoding="utf-8"?>
+<p:sld xmlns:a="http://schemas.openxmlformats.org/drawingml/2006/main" xmlns:r="http://schemas.openxmlformats.org/officeDocument/2006/relationships" xmlns:p="http://schemas.openxmlformats.org/presentationml/2006/main">
+  <p:cSld>
+    <p:spTree>
+      <p:nvGrpSpPr>
+        <p:cNvPr id="1" name=""/>
+        <p:cNvGrpSpPr/>
+        <p:nvPr/>
+      </p:nvGrpSpPr>
+      <p:grpSpPr>
+        <a:xfrm>
+          <a:off x="0" y="0"/>
+          <a:ext cx="0" cy="0"/>
+          <a:chOff x="0" y="0"/>
+          <a:chExt cx="0" cy="0"/>
+        </a:xfrm>
+      </p:grpSpPr>
+      <p:sp>
+        <p:nvSpPr>
+          <p:cNvPr id="2" name="Title 1">
+            <a:extLst>
+              <a:ext uri="{FF2B5EF4-FFF2-40B4-BE49-F238E27FC236}">
+                <a16:creationId xmlns:a16="http://schemas.microsoft.com/office/drawing/2014/main" id="{A145A053-5E8D-489C-81B6-D13B61113FE3}"/>
+              </a:ext>
+            </a:extLst>
+          </p:cNvPr>
+          <p:cNvSpPr>
+            <a:spLocks noGrp="1"/>
+          </p:cNvSpPr>
+          <p:nvPr>
+            <p:ph type="title"/>
+          </p:nvPr>
+        </p:nvSpPr>
+        <p:spPr/>
+        <p:txBody>
+          <a:bodyPr/>
+          <a:lstStyle/>
+          <a:p>
+            <a:r>
+              <a:rPr lang="en-SG" dirty="0"/>
+              <a:t>Draw the 2 </a:t>
+            </a:r>
+            <a:r>
+              <a:rPr lang="en-SG" dirty="0">
                 <a:solidFill>
                   <a:srgbClr val="FF0000"/>
                 </a:solidFill>
               </a:rPr>
-              <a:t>End</a:t>
-            </a:r>
+              <a:t>components</a:t>
+            </a:r>
+            <a:endParaRPr lang="en-US" dirty="0">
+              <a:solidFill>
+                <a:srgbClr val="FF0000"/>
+              </a:solidFill>
+            </a:endParaRPr>
+          </a:p>
+        </p:txBody>
+      </p:sp>
+      <p:sp>
+        <p:nvSpPr>
+          <p:cNvPr id="3" name="Slide Number Placeholder 2">
+            <a:extLst>
+              <a:ext uri="{FF2B5EF4-FFF2-40B4-BE49-F238E27FC236}">
+                <a16:creationId xmlns:a16="http://schemas.microsoft.com/office/drawing/2014/main" id="{5064FDEF-F848-42F0-ACC8-BDC0ABD45380}"/>
+              </a:ext>
+            </a:extLst>
+          </p:cNvPr>
+          <p:cNvSpPr>
+            <a:spLocks noGrp="1"/>
+          </p:cNvSpPr>
+          <p:nvPr>
+            <p:ph type="sldNum" sz="quarter" idx="12"/>
+          </p:nvPr>
+        </p:nvSpPr>
+        <p:spPr/>
+        <p:txBody>
+          <a:bodyPr/>
+          <a:lstStyle/>
+          <a:p>
+            <a:fld id="{CAB166B3-F268-4CEF-878A-CFB0D0D505D3}" type="slidenum">
+              <a:rPr lang="en-US" smtClean="0"/>
+              <a:t>17</a:t>
+            </a:fld>
+            <a:endParaRPr lang="en-US"/>
+          </a:p>
+        </p:txBody>
+      </p:sp>
+      <p:pic>
+        <p:nvPicPr>
+          <p:cNvPr id="5" name="Picture 4">
+            <a:extLst>
+              <a:ext uri="{FF2B5EF4-FFF2-40B4-BE49-F238E27FC236}">
+                <a16:creationId xmlns:a16="http://schemas.microsoft.com/office/drawing/2014/main" id="{0AA1CE0E-010C-4FFF-B310-34D9D18B1C53}"/>
+              </a:ext>
+            </a:extLst>
+          </p:cNvPr>
+          <p:cNvPicPr>
+            <a:picLocks noChangeAspect="1"/>
+          </p:cNvPicPr>
+          <p:nvPr/>
+        </p:nvPicPr>
+        <p:blipFill>
+          <a:blip r:embed="rId2"/>
+          <a:stretch>
+            <a:fillRect/>
+          </a:stretch>
+        </p:blipFill>
+        <p:spPr>
+          <a:xfrm>
+            <a:off x="726590" y="1545327"/>
+            <a:ext cx="4798839" cy="3334786"/>
+          </a:xfrm>
+          <a:prstGeom prst="rect">
+            <a:avLst/>
+          </a:prstGeom>
+        </p:spPr>
+      </p:pic>
+      <p:pic>
+        <p:nvPicPr>
+          <p:cNvPr id="7" name="Picture 6">
+            <a:extLst>
+              <a:ext uri="{FF2B5EF4-FFF2-40B4-BE49-F238E27FC236}">
+                <a16:creationId xmlns:a16="http://schemas.microsoft.com/office/drawing/2014/main" id="{D37D75D6-25D7-46F1-A134-15603C1D4260}"/>
+              </a:ext>
+            </a:extLst>
+          </p:cNvPr>
+          <p:cNvPicPr>
+            <a:picLocks noChangeAspect="1"/>
+          </p:cNvPicPr>
+          <p:nvPr/>
+        </p:nvPicPr>
+        <p:blipFill>
+          <a:blip r:embed="rId3"/>
+          <a:stretch>
+            <a:fillRect/>
+          </a:stretch>
+        </p:blipFill>
+        <p:spPr>
+          <a:xfrm>
+            <a:off x="5904661" y="1545327"/>
+            <a:ext cx="2639057" cy="1862138"/>
+          </a:xfrm>
+          <a:prstGeom prst="rect">
+            <a:avLst/>
+          </a:prstGeom>
+        </p:spPr>
+      </p:pic>
+      <p:pic>
+        <p:nvPicPr>
+          <p:cNvPr id="9" name="Picture 8">
+            <a:extLst>
+              <a:ext uri="{FF2B5EF4-FFF2-40B4-BE49-F238E27FC236}">
+                <a16:creationId xmlns:a16="http://schemas.microsoft.com/office/drawing/2014/main" id="{C5A49235-3F12-4CDF-95DB-72CA7E0ABAFF}"/>
+              </a:ext>
+            </a:extLst>
+          </p:cNvPr>
+          <p:cNvPicPr>
+            <a:picLocks noChangeAspect="1"/>
+          </p:cNvPicPr>
+          <p:nvPr/>
+        </p:nvPicPr>
+        <p:blipFill>
+          <a:blip r:embed="rId4"/>
+          <a:stretch>
+            <a:fillRect/>
+          </a:stretch>
+        </p:blipFill>
+        <p:spPr>
+          <a:xfrm>
+            <a:off x="5904661" y="3560072"/>
+            <a:ext cx="2639057" cy="2279749"/>
+          </a:xfrm>
+          <a:prstGeom prst="rect">
+            <a:avLst/>
+          </a:prstGeom>
+        </p:spPr>
+      </p:pic>
+      <p:sp>
+        <p:nvSpPr>
+          <p:cNvPr id="10" name="TextBox 9">
+            <a:extLst>
+              <a:ext uri="{FF2B5EF4-FFF2-40B4-BE49-F238E27FC236}">
+                <a16:creationId xmlns:a16="http://schemas.microsoft.com/office/drawing/2014/main" id="{43048154-5230-4516-A3B9-55242F5B2380}"/>
+              </a:ext>
+            </a:extLst>
+          </p:cNvPr>
+          <p:cNvSpPr txBox="1"/>
+          <p:nvPr/>
+        </p:nvSpPr>
+        <p:spPr>
+          <a:xfrm>
+            <a:off x="726590" y="5136984"/>
+            <a:ext cx="4640540" cy="1200329"/>
+          </a:xfrm>
+          <a:prstGeom prst="rect">
+            <a:avLst/>
+          </a:prstGeom>
+          <a:noFill/>
+        </p:spPr>
+        <p:txBody>
+          <a:bodyPr wrap="square" rtlCol="0">
+            <a:spAutoFit/>
+          </a:bodyPr>
+          <a:lstStyle/>
+          <a:p>
+            <a:r>
+              <a:rPr lang="en-SG" dirty="0"/>
+              <a:t>We would like a “tight” fit, since we are going to CCC the wood.</a:t>
+            </a:r>
+          </a:p>
+          <a:p>
+            <a:r>
+              <a:rPr lang="en-SG" dirty="0"/>
+              <a:t>The cuts will be very precise.</a:t>
+            </a:r>
+          </a:p>
+          <a:p>
+            <a:r>
+              <a:rPr lang="en-SG" dirty="0"/>
+              <a:t>(The joint is exaggerated to show the effect)</a:t>
+            </a:r>
+            <a:endParaRPr lang="en-US" dirty="0"/>
           </a:p>
         </p:txBody>
       </p:sp>
     </p:spTree>
     <p:extLst>
       <p:ext uri="{BB962C8B-B14F-4D97-AF65-F5344CB8AC3E}">
-        <p14:creationId xmlns:p14="http://schemas.microsoft.com/office/powerpoint/2010/main" val="2293809126"/>
+        <p14:creationId xmlns:p14="http://schemas.microsoft.com/office/powerpoint/2010/main" val="3180349618"/>
+      </p:ext>
+    </p:extLst>
+  </p:cSld>
+  <p:clrMapOvr>
+    <a:masterClrMapping/>
+  </p:clrMapOvr>
+</p:sld>
+</file>
+
+<file path=ppt/slides/slide18.xml><?xml version="1.0" encoding="utf-8"?>
+<p:sld xmlns:a="http://schemas.openxmlformats.org/drawingml/2006/main" xmlns:r="http://schemas.openxmlformats.org/officeDocument/2006/relationships" xmlns:p="http://schemas.openxmlformats.org/presentationml/2006/main">
+  <p:cSld>
+    <p:spTree>
+      <p:nvGrpSpPr>
+        <p:cNvPr id="1" name=""/>
+        <p:cNvGrpSpPr/>
+        <p:nvPr/>
+      </p:nvGrpSpPr>
+      <p:grpSpPr>
+        <a:xfrm>
+          <a:off x="0" y="0"/>
+          <a:ext cx="0" cy="0"/>
+          <a:chOff x="0" y="0"/>
+          <a:chExt cx="0" cy="0"/>
+        </a:xfrm>
+      </p:grpSpPr>
+      <p:sp>
+        <p:nvSpPr>
+          <p:cNvPr id="2" name="Title 1">
+            <a:extLst>
+              <a:ext uri="{FF2B5EF4-FFF2-40B4-BE49-F238E27FC236}">
+                <a16:creationId xmlns:a16="http://schemas.microsoft.com/office/drawing/2014/main" id="{6E6F64BD-9BB7-4032-AAED-54FA5FDF765A}"/>
+              </a:ext>
+            </a:extLst>
+          </p:cNvPr>
+          <p:cNvSpPr>
+            <a:spLocks noGrp="1"/>
+          </p:cNvSpPr>
+          <p:nvPr>
+            <p:ph type="title"/>
+          </p:nvPr>
+        </p:nvSpPr>
+        <p:spPr/>
+        <p:txBody>
+          <a:bodyPr/>
+          <a:lstStyle/>
+          <a:p>
+            <a:r>
+              <a:rPr lang="en-SG" dirty="0"/>
+              <a:t>Use CADD to effect the joint</a:t>
+            </a:r>
+            <a:endParaRPr lang="en-US" dirty="0"/>
+          </a:p>
+        </p:txBody>
+      </p:sp>
+      <p:sp>
+        <p:nvSpPr>
+          <p:cNvPr id="7" name="Content Placeholder 6">
+            <a:extLst>
+              <a:ext uri="{FF2B5EF4-FFF2-40B4-BE49-F238E27FC236}">
+                <a16:creationId xmlns:a16="http://schemas.microsoft.com/office/drawing/2014/main" id="{ADEAB0F2-C078-40C8-9716-25A518CA03D0}"/>
+              </a:ext>
+            </a:extLst>
+          </p:cNvPr>
+          <p:cNvSpPr>
+            <a:spLocks noGrp="1"/>
+          </p:cNvSpPr>
+          <p:nvPr>
+            <p:ph idx="1"/>
+          </p:nvPr>
+        </p:nvSpPr>
+        <p:spPr>
+          <a:xfrm>
+            <a:off x="628650" y="5009321"/>
+            <a:ext cx="7886700" cy="1483553"/>
+          </a:xfrm>
+        </p:spPr>
+        <p:txBody>
+          <a:bodyPr/>
+          <a:lstStyle/>
+          <a:p>
+            <a:r>
+              <a:rPr lang="en-SG" sz="2400" dirty="0"/>
+              <a:t>Modify &gt; </a:t>
+            </a:r>
+            <a:r>
+              <a:rPr lang="en-SG" sz="2400" b="1" dirty="0"/>
+              <a:t>Combine</a:t>
+            </a:r>
+          </a:p>
+          <a:p>
+            <a:r>
+              <a:rPr lang="en-SG" sz="2400" dirty="0"/>
+              <a:t>Creates the joint and necessary cuts without further drawing</a:t>
+            </a:r>
+            <a:endParaRPr lang="en-US" sz="2400" dirty="0"/>
+          </a:p>
+        </p:txBody>
+      </p:sp>
+      <p:sp>
+        <p:nvSpPr>
+          <p:cNvPr id="3" name="Slide Number Placeholder 2">
+            <a:extLst>
+              <a:ext uri="{FF2B5EF4-FFF2-40B4-BE49-F238E27FC236}">
+                <a16:creationId xmlns:a16="http://schemas.microsoft.com/office/drawing/2014/main" id="{982F946C-6508-4AF8-A898-47D2AF938857}"/>
+              </a:ext>
+            </a:extLst>
+          </p:cNvPr>
+          <p:cNvSpPr>
+            <a:spLocks noGrp="1"/>
+          </p:cNvSpPr>
+          <p:nvPr>
+            <p:ph type="sldNum" sz="quarter" idx="12"/>
+          </p:nvPr>
+        </p:nvSpPr>
+        <p:spPr/>
+        <p:txBody>
+          <a:bodyPr/>
+          <a:lstStyle/>
+          <a:p>
+            <a:fld id="{CAB166B3-F268-4CEF-878A-CFB0D0D505D3}" type="slidenum">
+              <a:rPr lang="en-US" smtClean="0"/>
+              <a:t>18</a:t>
+            </a:fld>
+            <a:endParaRPr lang="en-US"/>
+          </a:p>
+        </p:txBody>
+      </p:sp>
+      <p:pic>
+        <p:nvPicPr>
+          <p:cNvPr id="5" name="Picture 4">
+            <a:extLst>
+              <a:ext uri="{FF2B5EF4-FFF2-40B4-BE49-F238E27FC236}">
+                <a16:creationId xmlns:a16="http://schemas.microsoft.com/office/drawing/2014/main" id="{98B7D211-C2E6-443B-A609-E8C1803A316C}"/>
+              </a:ext>
+            </a:extLst>
+          </p:cNvPr>
+          <p:cNvPicPr>
+            <a:picLocks noChangeAspect="1"/>
+          </p:cNvPicPr>
+          <p:nvPr/>
+        </p:nvPicPr>
+        <p:blipFill>
+          <a:blip r:embed="rId2"/>
+          <a:stretch>
+            <a:fillRect/>
+          </a:stretch>
+        </p:blipFill>
+        <p:spPr>
+          <a:xfrm>
+            <a:off x="741292" y="1510126"/>
+            <a:ext cx="5615892" cy="3270593"/>
+          </a:xfrm>
+          <a:prstGeom prst="rect">
+            <a:avLst/>
+          </a:prstGeom>
+        </p:spPr>
+      </p:pic>
+      <p:sp>
+        <p:nvSpPr>
+          <p:cNvPr id="6" name="TextBox 5">
+            <a:extLst>
+              <a:ext uri="{FF2B5EF4-FFF2-40B4-BE49-F238E27FC236}">
+                <a16:creationId xmlns:a16="http://schemas.microsoft.com/office/drawing/2014/main" id="{AAEA06B2-8E89-446A-A0EC-174E2E750FC0}"/>
+              </a:ext>
+            </a:extLst>
+          </p:cNvPr>
+          <p:cNvSpPr txBox="1"/>
+          <p:nvPr/>
+        </p:nvSpPr>
+        <p:spPr>
+          <a:xfrm>
+            <a:off x="6523213" y="1420686"/>
+            <a:ext cx="1926874" cy="1200329"/>
+          </a:xfrm>
+          <a:prstGeom prst="rect">
+            <a:avLst/>
+          </a:prstGeom>
+          <a:noFill/>
+        </p:spPr>
+        <p:txBody>
+          <a:bodyPr wrap="none" rtlCol="0">
+            <a:spAutoFit/>
+          </a:bodyPr>
+          <a:lstStyle/>
+          <a:p>
+            <a:r>
+              <a:rPr lang="en-SG" dirty="0"/>
+              <a:t>Blue = Target Body</a:t>
+            </a:r>
+          </a:p>
+          <a:p>
+            <a:r>
+              <a:rPr lang="en-SG" dirty="0"/>
+              <a:t>Red = Tool Body</a:t>
+            </a:r>
+          </a:p>
+          <a:p>
+            <a:r>
+              <a:rPr lang="en-SG" dirty="0"/>
+              <a:t>Operation = Cut</a:t>
+            </a:r>
+          </a:p>
+          <a:p>
+            <a:r>
+              <a:rPr lang="en-SG" dirty="0"/>
+              <a:t>Keep tools</a:t>
+            </a:r>
+            <a:endParaRPr lang="en-US" dirty="0"/>
+          </a:p>
+        </p:txBody>
+      </p:sp>
+      <p:pic>
+        <p:nvPicPr>
+          <p:cNvPr id="9" name="Picture 8">
+            <a:extLst>
+              <a:ext uri="{FF2B5EF4-FFF2-40B4-BE49-F238E27FC236}">
+                <a16:creationId xmlns:a16="http://schemas.microsoft.com/office/drawing/2014/main" id="{B652AC8D-985E-4BCF-9693-CE3128BEEF4E}"/>
+              </a:ext>
+            </a:extLst>
+          </p:cNvPr>
+          <p:cNvPicPr>
+            <a:picLocks noChangeAspect="1"/>
+          </p:cNvPicPr>
+          <p:nvPr/>
+        </p:nvPicPr>
+        <p:blipFill>
+          <a:blip r:embed="rId3"/>
+          <a:stretch>
+            <a:fillRect/>
+          </a:stretch>
+        </p:blipFill>
+        <p:spPr>
+          <a:xfrm>
+            <a:off x="6467683" y="2704894"/>
+            <a:ext cx="2409825" cy="2076450"/>
+          </a:xfrm>
+          <a:prstGeom prst="rect">
+            <a:avLst/>
+          </a:prstGeom>
+        </p:spPr>
+      </p:pic>
+    </p:spTree>
+    <p:extLst>
+      <p:ext uri="{BB962C8B-B14F-4D97-AF65-F5344CB8AC3E}">
+        <p14:creationId xmlns:p14="http://schemas.microsoft.com/office/powerpoint/2010/main" val="3990638923"/>
+      </p:ext>
+    </p:extLst>
+  </p:cSld>
+  <p:clrMapOvr>
+    <a:masterClrMapping/>
+  </p:clrMapOvr>
+</p:sld>
+</file>
+
+<file path=ppt/slides/slide19.xml><?xml version="1.0" encoding="utf-8"?>
+<p:sld xmlns:a="http://schemas.openxmlformats.org/drawingml/2006/main" xmlns:r="http://schemas.openxmlformats.org/officeDocument/2006/relationships" xmlns:p="http://schemas.openxmlformats.org/presentationml/2006/main">
+  <p:cSld>
+    <p:spTree>
+      <p:nvGrpSpPr>
+        <p:cNvPr id="1" name=""/>
+        <p:cNvGrpSpPr/>
+        <p:nvPr/>
+      </p:nvGrpSpPr>
+      <p:grpSpPr>
+        <a:xfrm>
+          <a:off x="0" y="0"/>
+          <a:ext cx="0" cy="0"/>
+          <a:chOff x="0" y="0"/>
+          <a:chExt cx="0" cy="0"/>
+        </a:xfrm>
+      </p:grpSpPr>
+      <p:sp>
+        <p:nvSpPr>
+          <p:cNvPr id="2" name="Title 1">
+            <a:extLst>
+              <a:ext uri="{FF2B5EF4-FFF2-40B4-BE49-F238E27FC236}">
+                <a16:creationId xmlns:a16="http://schemas.microsoft.com/office/drawing/2014/main" id="{9FEFAEAF-B0C7-4E32-8E30-A4F14501B68C}"/>
+              </a:ext>
+            </a:extLst>
+          </p:cNvPr>
+          <p:cNvSpPr>
+            <a:spLocks noGrp="1"/>
+          </p:cNvSpPr>
+          <p:nvPr>
+            <p:ph type="title"/>
+          </p:nvPr>
+        </p:nvSpPr>
+        <p:spPr/>
+        <p:txBody>
+          <a:bodyPr/>
+          <a:lstStyle/>
+          <a:p>
+            <a:r>
+              <a:rPr lang="en-SG" dirty="0"/>
+              <a:t>Laptop Stand</a:t>
+            </a:r>
+            <a:endParaRPr lang="en-US" dirty="0"/>
+          </a:p>
+        </p:txBody>
+      </p:sp>
+      <p:sp>
+        <p:nvSpPr>
+          <p:cNvPr id="3" name="Content Placeholder 2">
+            <a:extLst>
+              <a:ext uri="{FF2B5EF4-FFF2-40B4-BE49-F238E27FC236}">
+                <a16:creationId xmlns:a16="http://schemas.microsoft.com/office/drawing/2014/main" id="{D99056B7-8469-4362-BDD9-0A5E6857A3B3}"/>
+              </a:ext>
+            </a:extLst>
+          </p:cNvPr>
+          <p:cNvSpPr>
+            <a:spLocks noGrp="1"/>
+          </p:cNvSpPr>
+          <p:nvPr>
+            <p:ph idx="1"/>
+          </p:nvPr>
+        </p:nvSpPr>
+        <p:spPr>
+          <a:xfrm>
+            <a:off x="628650" y="1510748"/>
+            <a:ext cx="7886700" cy="506895"/>
+          </a:xfrm>
+        </p:spPr>
+        <p:txBody>
+          <a:bodyPr/>
+          <a:lstStyle/>
+          <a:p>
+            <a:r>
+              <a:rPr lang="en-SG" sz="2400" dirty="0"/>
+              <a:t>Let’s quickly design a laptop stand that can be </a:t>
+            </a:r>
+            <a:r>
+              <a:rPr lang="en-SG" sz="2400" dirty="0" err="1"/>
+              <a:t>lasercut</a:t>
+            </a:r>
+            <a:r>
+              <a:rPr lang="en-SG" sz="2400" dirty="0"/>
+              <a:t>.</a:t>
+            </a:r>
+            <a:endParaRPr lang="en-US" sz="2400" dirty="0"/>
+          </a:p>
+        </p:txBody>
+      </p:sp>
+      <p:sp>
+        <p:nvSpPr>
+          <p:cNvPr id="4" name="Slide Number Placeholder 3">
+            <a:extLst>
+              <a:ext uri="{FF2B5EF4-FFF2-40B4-BE49-F238E27FC236}">
+                <a16:creationId xmlns:a16="http://schemas.microsoft.com/office/drawing/2014/main" id="{2C862078-2808-4E23-86B9-28A6B784CE7C}"/>
+              </a:ext>
+            </a:extLst>
+          </p:cNvPr>
+          <p:cNvSpPr>
+            <a:spLocks noGrp="1"/>
+          </p:cNvSpPr>
+          <p:nvPr>
+            <p:ph type="sldNum" sz="quarter" idx="12"/>
+          </p:nvPr>
+        </p:nvSpPr>
+        <p:spPr/>
+        <p:txBody>
+          <a:bodyPr/>
+          <a:lstStyle/>
+          <a:p>
+            <a:fld id="{CAB166B3-F268-4CEF-878A-CFB0D0D505D3}" type="slidenum">
+              <a:rPr lang="en-US" smtClean="0"/>
+              <a:t>19</a:t>
+            </a:fld>
+            <a:endParaRPr lang="en-US"/>
+          </a:p>
+        </p:txBody>
+      </p:sp>
+      <p:pic>
+        <p:nvPicPr>
+          <p:cNvPr id="6" name="Picture 5">
+            <a:extLst>
+              <a:ext uri="{FF2B5EF4-FFF2-40B4-BE49-F238E27FC236}">
+                <a16:creationId xmlns:a16="http://schemas.microsoft.com/office/drawing/2014/main" id="{8D515368-9193-4876-865C-2A5F24B1647F}"/>
+              </a:ext>
+            </a:extLst>
+          </p:cNvPr>
+          <p:cNvPicPr>
+            <a:picLocks noChangeAspect="1"/>
+          </p:cNvPicPr>
+          <p:nvPr/>
+        </p:nvPicPr>
+        <p:blipFill>
+          <a:blip r:embed="rId2"/>
+          <a:stretch>
+            <a:fillRect/>
+          </a:stretch>
+        </p:blipFill>
+        <p:spPr>
+          <a:xfrm>
+            <a:off x="439599" y="2017643"/>
+            <a:ext cx="3930335" cy="2932044"/>
+          </a:xfrm>
+          <a:prstGeom prst="rect">
+            <a:avLst/>
+          </a:prstGeom>
+        </p:spPr>
+      </p:pic>
+      <p:pic>
+        <p:nvPicPr>
+          <p:cNvPr id="8" name="Picture 7">
+            <a:extLst>
+              <a:ext uri="{FF2B5EF4-FFF2-40B4-BE49-F238E27FC236}">
+                <a16:creationId xmlns:a16="http://schemas.microsoft.com/office/drawing/2014/main" id="{AB8EF830-7128-444D-92F8-59A5AE09B13E}"/>
+              </a:ext>
+            </a:extLst>
+          </p:cNvPr>
+          <p:cNvPicPr>
+            <a:picLocks noChangeAspect="1"/>
+          </p:cNvPicPr>
+          <p:nvPr/>
+        </p:nvPicPr>
+        <p:blipFill>
+          <a:blip r:embed="rId3"/>
+          <a:stretch>
+            <a:fillRect/>
+          </a:stretch>
+        </p:blipFill>
+        <p:spPr>
+          <a:xfrm>
+            <a:off x="4558985" y="2017643"/>
+            <a:ext cx="3933825" cy="4133850"/>
+          </a:xfrm>
+          <a:prstGeom prst="rect">
+            <a:avLst/>
+          </a:prstGeom>
+        </p:spPr>
+      </p:pic>
+      <p:sp>
+        <p:nvSpPr>
+          <p:cNvPr id="9" name="TextBox 8">
+            <a:extLst>
+              <a:ext uri="{FF2B5EF4-FFF2-40B4-BE49-F238E27FC236}">
+                <a16:creationId xmlns:a16="http://schemas.microsoft.com/office/drawing/2014/main" id="{9D747566-E215-4062-911F-1E700E58D78F}"/>
+              </a:ext>
+            </a:extLst>
+          </p:cNvPr>
+          <p:cNvSpPr txBox="1"/>
+          <p:nvPr/>
+        </p:nvSpPr>
+        <p:spPr>
+          <a:xfrm>
+            <a:off x="439599" y="5015546"/>
+            <a:ext cx="3844166" cy="1477328"/>
+          </a:xfrm>
+          <a:prstGeom prst="rect">
+            <a:avLst/>
+          </a:prstGeom>
+          <a:noFill/>
+        </p:spPr>
+        <p:txBody>
+          <a:bodyPr wrap="square" rtlCol="0">
+            <a:spAutoFit/>
+          </a:bodyPr>
+          <a:lstStyle/>
+          <a:p>
+            <a:r>
+              <a:rPr lang="en-SG" dirty="0"/>
+              <a:t>4 components</a:t>
+            </a:r>
+          </a:p>
+          <a:p>
+            <a:pPr marL="285750" indent="-285750">
+              <a:buFont typeface="Arial" panose="020B0604020202020204" pitchFamily="34" charset="0"/>
+              <a:buChar char="•"/>
+            </a:pPr>
+            <a:r>
+              <a:rPr lang="en-SG" dirty="0"/>
+              <a:t>legs (x2)</a:t>
+            </a:r>
+          </a:p>
+          <a:p>
+            <a:pPr marL="285750" indent="-285750">
+              <a:buFont typeface="Arial" panose="020B0604020202020204" pitchFamily="34" charset="0"/>
+              <a:buChar char="•"/>
+            </a:pPr>
+            <a:r>
+              <a:rPr lang="en-SG" dirty="0"/>
+              <a:t>top</a:t>
+            </a:r>
+          </a:p>
+          <a:p>
+            <a:pPr marL="285750" indent="-285750">
+              <a:buFont typeface="Arial" panose="020B0604020202020204" pitchFamily="34" charset="0"/>
+              <a:buChar char="•"/>
+            </a:pPr>
+            <a:r>
+              <a:rPr lang="en-SG" dirty="0"/>
+              <a:t>front support</a:t>
+            </a:r>
+          </a:p>
+          <a:p>
+            <a:pPr marL="285750" indent="-285750">
+              <a:buFont typeface="Arial" panose="020B0604020202020204" pitchFamily="34" charset="0"/>
+              <a:buChar char="•"/>
+            </a:pPr>
+            <a:r>
+              <a:rPr lang="en-SG" dirty="0"/>
+              <a:t>rear support</a:t>
+            </a:r>
+            <a:endParaRPr lang="en-US" dirty="0"/>
+          </a:p>
+        </p:txBody>
+      </p:sp>
+    </p:spTree>
+    <p:extLst>
+      <p:ext uri="{BB962C8B-B14F-4D97-AF65-F5344CB8AC3E}">
+        <p14:creationId xmlns:p14="http://schemas.microsoft.com/office/powerpoint/2010/main" val="2716067541"/>
       </p:ext>
     </p:extLst>
   </p:cSld>
@@ -5323,6 +6301,1782 @@
 </p:sld>
 </file>
 
+<file path=ppt/slides/slide20.xml><?xml version="1.0" encoding="utf-8"?>
+<p:sld xmlns:a="http://schemas.openxmlformats.org/drawingml/2006/main" xmlns:r="http://schemas.openxmlformats.org/officeDocument/2006/relationships" xmlns:p="http://schemas.openxmlformats.org/presentationml/2006/main">
+  <p:cSld>
+    <p:spTree>
+      <p:nvGrpSpPr>
+        <p:cNvPr id="1" name=""/>
+        <p:cNvGrpSpPr/>
+        <p:nvPr/>
+      </p:nvGrpSpPr>
+      <p:grpSpPr>
+        <a:xfrm>
+          <a:off x="0" y="0"/>
+          <a:ext cx="0" cy="0"/>
+          <a:chOff x="0" y="0"/>
+          <a:chExt cx="0" cy="0"/>
+        </a:xfrm>
+      </p:grpSpPr>
+      <p:sp>
+        <p:nvSpPr>
+          <p:cNvPr id="2" name="Title 1">
+            <a:extLst>
+              <a:ext uri="{FF2B5EF4-FFF2-40B4-BE49-F238E27FC236}">
+                <a16:creationId xmlns:a16="http://schemas.microsoft.com/office/drawing/2014/main" id="{E1DEC4F4-583A-4B6A-9451-E415B25A752E}"/>
+              </a:ext>
+            </a:extLst>
+          </p:cNvPr>
+          <p:cNvSpPr>
+            <a:spLocks noGrp="1"/>
+          </p:cNvSpPr>
+          <p:nvPr>
+            <p:ph type="title"/>
+          </p:nvPr>
+        </p:nvSpPr>
+        <p:spPr/>
+        <p:txBody>
+          <a:bodyPr/>
+          <a:lstStyle/>
+          <a:p>
+            <a:r>
+              <a:rPr lang="en-SG" dirty="0"/>
+              <a:t>Legs</a:t>
+            </a:r>
+            <a:endParaRPr lang="en-US" dirty="0"/>
+          </a:p>
+        </p:txBody>
+      </p:sp>
+      <p:sp>
+        <p:nvSpPr>
+          <p:cNvPr id="3" name="Content Placeholder 2">
+            <a:extLst>
+              <a:ext uri="{FF2B5EF4-FFF2-40B4-BE49-F238E27FC236}">
+                <a16:creationId xmlns:a16="http://schemas.microsoft.com/office/drawing/2014/main" id="{F4846AA2-ED89-4ECB-B4F8-11C1ED570914}"/>
+              </a:ext>
+            </a:extLst>
+          </p:cNvPr>
+          <p:cNvSpPr>
+            <a:spLocks noGrp="1"/>
+          </p:cNvSpPr>
+          <p:nvPr>
+            <p:ph idx="1"/>
+          </p:nvPr>
+        </p:nvSpPr>
+        <p:spPr>
+          <a:xfrm>
+            <a:off x="628650" y="1825625"/>
+            <a:ext cx="7886700" cy="440497"/>
+          </a:xfrm>
+        </p:spPr>
+        <p:txBody>
+          <a:bodyPr/>
+          <a:lstStyle/>
+          <a:p>
+            <a:r>
+              <a:rPr lang="en-SG" dirty="0"/>
+              <a:t>Set your own parameters</a:t>
+            </a:r>
+            <a:endParaRPr lang="en-US" dirty="0"/>
+          </a:p>
+        </p:txBody>
+      </p:sp>
+      <p:sp>
+        <p:nvSpPr>
+          <p:cNvPr id="4" name="Slide Number Placeholder 3">
+            <a:extLst>
+              <a:ext uri="{FF2B5EF4-FFF2-40B4-BE49-F238E27FC236}">
+                <a16:creationId xmlns:a16="http://schemas.microsoft.com/office/drawing/2014/main" id="{A81EDF22-1056-4320-A0D6-331FE5136DC9}"/>
+              </a:ext>
+            </a:extLst>
+          </p:cNvPr>
+          <p:cNvSpPr>
+            <a:spLocks noGrp="1"/>
+          </p:cNvSpPr>
+          <p:nvPr>
+            <p:ph type="sldNum" sz="quarter" idx="12"/>
+          </p:nvPr>
+        </p:nvSpPr>
+        <p:spPr/>
+        <p:txBody>
+          <a:bodyPr/>
+          <a:lstStyle/>
+          <a:p>
+            <a:fld id="{CAB166B3-F268-4CEF-878A-CFB0D0D505D3}" type="slidenum">
+              <a:rPr lang="en-US" smtClean="0"/>
+              <a:t>20</a:t>
+            </a:fld>
+            <a:endParaRPr lang="en-US"/>
+          </a:p>
+        </p:txBody>
+      </p:sp>
+      <p:pic>
+        <p:nvPicPr>
+          <p:cNvPr id="8" name="Picture 7">
+            <a:extLst>
+              <a:ext uri="{FF2B5EF4-FFF2-40B4-BE49-F238E27FC236}">
+                <a16:creationId xmlns:a16="http://schemas.microsoft.com/office/drawing/2014/main" id="{C404F6B2-E312-4B25-A8FA-36F7BFE97482}"/>
+              </a:ext>
+            </a:extLst>
+          </p:cNvPr>
+          <p:cNvPicPr>
+            <a:picLocks noChangeAspect="1"/>
+          </p:cNvPicPr>
+          <p:nvPr/>
+        </p:nvPicPr>
+        <p:blipFill>
+          <a:blip r:embed="rId2"/>
+          <a:stretch>
+            <a:fillRect/>
+          </a:stretch>
+        </p:blipFill>
+        <p:spPr>
+          <a:xfrm>
+            <a:off x="1032827" y="2401058"/>
+            <a:ext cx="7648563" cy="3955293"/>
+          </a:xfrm>
+          <a:prstGeom prst="rect">
+            <a:avLst/>
+          </a:prstGeom>
+        </p:spPr>
+      </p:pic>
+    </p:spTree>
+    <p:extLst>
+      <p:ext uri="{BB962C8B-B14F-4D97-AF65-F5344CB8AC3E}">
+        <p14:creationId xmlns:p14="http://schemas.microsoft.com/office/powerpoint/2010/main" val="4075777189"/>
+      </p:ext>
+    </p:extLst>
+  </p:cSld>
+  <p:clrMapOvr>
+    <a:masterClrMapping/>
+  </p:clrMapOvr>
+</p:sld>
+</file>
+
+<file path=ppt/slides/slide21.xml><?xml version="1.0" encoding="utf-8"?>
+<p:sld xmlns:a="http://schemas.openxmlformats.org/drawingml/2006/main" xmlns:r="http://schemas.openxmlformats.org/officeDocument/2006/relationships" xmlns:p="http://schemas.openxmlformats.org/presentationml/2006/main">
+  <p:cSld>
+    <p:spTree>
+      <p:nvGrpSpPr>
+        <p:cNvPr id="1" name=""/>
+        <p:cNvGrpSpPr/>
+        <p:nvPr/>
+      </p:nvGrpSpPr>
+      <p:grpSpPr>
+        <a:xfrm>
+          <a:off x="0" y="0"/>
+          <a:ext cx="0" cy="0"/>
+          <a:chOff x="0" y="0"/>
+          <a:chExt cx="0" cy="0"/>
+        </a:xfrm>
+      </p:grpSpPr>
+      <p:sp>
+        <p:nvSpPr>
+          <p:cNvPr id="2" name="Title 1">
+            <a:extLst>
+              <a:ext uri="{FF2B5EF4-FFF2-40B4-BE49-F238E27FC236}">
+                <a16:creationId xmlns:a16="http://schemas.microsoft.com/office/drawing/2014/main" id="{EC0036A4-94E9-483D-AE10-57F914B4BC1F}"/>
+              </a:ext>
+            </a:extLst>
+          </p:cNvPr>
+          <p:cNvSpPr>
+            <a:spLocks noGrp="1"/>
+          </p:cNvSpPr>
+          <p:nvPr>
+            <p:ph type="title"/>
+          </p:nvPr>
+        </p:nvSpPr>
+        <p:spPr/>
+        <p:txBody>
+          <a:bodyPr>
+            <a:normAutofit/>
+          </a:bodyPr>
+          <a:lstStyle/>
+          <a:p>
+            <a:r>
+              <a:rPr lang="en-SG" dirty="0"/>
+              <a:t>Create the body and a copy of the leg</a:t>
+            </a:r>
+            <a:endParaRPr lang="en-US" dirty="0"/>
+          </a:p>
+        </p:txBody>
+      </p:sp>
+      <p:sp>
+        <p:nvSpPr>
+          <p:cNvPr id="4" name="Slide Number Placeholder 3">
+            <a:extLst>
+              <a:ext uri="{FF2B5EF4-FFF2-40B4-BE49-F238E27FC236}">
+                <a16:creationId xmlns:a16="http://schemas.microsoft.com/office/drawing/2014/main" id="{AC391878-D6BC-41E8-AE75-6ADF071C2BA2}"/>
+              </a:ext>
+            </a:extLst>
+          </p:cNvPr>
+          <p:cNvSpPr>
+            <a:spLocks noGrp="1"/>
+          </p:cNvSpPr>
+          <p:nvPr>
+            <p:ph type="sldNum" sz="quarter" idx="12"/>
+          </p:nvPr>
+        </p:nvSpPr>
+        <p:spPr/>
+        <p:txBody>
+          <a:bodyPr/>
+          <a:lstStyle/>
+          <a:p>
+            <a:fld id="{CAB166B3-F268-4CEF-878A-CFB0D0D505D3}" type="slidenum">
+              <a:rPr lang="en-US" smtClean="0"/>
+              <a:t>21</a:t>
+            </a:fld>
+            <a:endParaRPr lang="en-US"/>
+          </a:p>
+        </p:txBody>
+      </p:sp>
+      <p:sp>
+        <p:nvSpPr>
+          <p:cNvPr id="10" name="Content Placeholder 9">
+            <a:extLst>
+              <a:ext uri="{FF2B5EF4-FFF2-40B4-BE49-F238E27FC236}">
+                <a16:creationId xmlns:a16="http://schemas.microsoft.com/office/drawing/2014/main" id="{1ECE5504-F876-4A6D-9732-AC11117CAADA}"/>
+              </a:ext>
+            </a:extLst>
+          </p:cNvPr>
+          <p:cNvSpPr>
+            <a:spLocks noGrp="1"/>
+          </p:cNvSpPr>
+          <p:nvPr>
+            <p:ph idx="1"/>
+          </p:nvPr>
+        </p:nvSpPr>
+        <p:spPr>
+          <a:xfrm>
+            <a:off x="6207404" y="1690690"/>
+            <a:ext cx="2487472" cy="4898954"/>
+          </a:xfrm>
+        </p:spPr>
+        <p:txBody>
+          <a:bodyPr/>
+          <a:lstStyle/>
+          <a:p>
+            <a:r>
+              <a:rPr lang="en-SG" sz="2000" dirty="0"/>
+              <a:t>Extrude the profile using </a:t>
+            </a:r>
+            <a:r>
+              <a:rPr lang="en-SG" sz="2000" dirty="0">
+                <a:solidFill>
+                  <a:srgbClr val="FF0000"/>
+                </a:solidFill>
+              </a:rPr>
+              <a:t>thickness</a:t>
+            </a:r>
+          </a:p>
+          <a:p>
+            <a:r>
+              <a:rPr lang="en-SG" sz="2000" dirty="0"/>
+              <a:t>Move/Copy the body</a:t>
+            </a:r>
+          </a:p>
+          <a:p>
+            <a:r>
+              <a:rPr lang="en-SG" sz="2000" dirty="0"/>
+              <a:t>Length of laptop</a:t>
+            </a:r>
+          </a:p>
+          <a:p>
+            <a:pPr marL="0" indent="0">
+              <a:buNone/>
+            </a:pPr>
+            <a:endParaRPr lang="en-US" sz="2000" dirty="0"/>
+          </a:p>
+        </p:txBody>
+      </p:sp>
+      <p:pic>
+        <p:nvPicPr>
+          <p:cNvPr id="16" name="Picture 15">
+            <a:extLst>
+              <a:ext uri="{FF2B5EF4-FFF2-40B4-BE49-F238E27FC236}">
+                <a16:creationId xmlns:a16="http://schemas.microsoft.com/office/drawing/2014/main" id="{E4E4C654-F21A-41E1-9126-82CABCD8D959}"/>
+              </a:ext>
+            </a:extLst>
+          </p:cNvPr>
+          <p:cNvPicPr>
+            <a:picLocks noChangeAspect="1"/>
+          </p:cNvPicPr>
+          <p:nvPr/>
+        </p:nvPicPr>
+        <p:blipFill>
+          <a:blip r:embed="rId2"/>
+          <a:stretch>
+            <a:fillRect/>
+          </a:stretch>
+        </p:blipFill>
+        <p:spPr>
+          <a:xfrm>
+            <a:off x="628649" y="1550962"/>
+            <a:ext cx="5495997" cy="4341838"/>
+          </a:xfrm>
+          <a:prstGeom prst="rect">
+            <a:avLst/>
+          </a:prstGeom>
+        </p:spPr>
+      </p:pic>
+    </p:spTree>
+    <p:extLst>
+      <p:ext uri="{BB962C8B-B14F-4D97-AF65-F5344CB8AC3E}">
+        <p14:creationId xmlns:p14="http://schemas.microsoft.com/office/powerpoint/2010/main" val="3479565533"/>
+      </p:ext>
+    </p:extLst>
+  </p:cSld>
+  <p:clrMapOvr>
+    <a:masterClrMapping/>
+  </p:clrMapOvr>
+</p:sld>
+</file>
+
+<file path=ppt/slides/slide22.xml><?xml version="1.0" encoding="utf-8"?>
+<p:sld xmlns:a="http://schemas.openxmlformats.org/drawingml/2006/main" xmlns:r="http://schemas.openxmlformats.org/officeDocument/2006/relationships" xmlns:p="http://schemas.openxmlformats.org/presentationml/2006/main">
+  <p:cSld>
+    <p:spTree>
+      <p:nvGrpSpPr>
+        <p:cNvPr id="1" name=""/>
+        <p:cNvGrpSpPr/>
+        <p:nvPr/>
+      </p:nvGrpSpPr>
+      <p:grpSpPr>
+        <a:xfrm>
+          <a:off x="0" y="0"/>
+          <a:ext cx="0" cy="0"/>
+          <a:chOff x="0" y="0"/>
+          <a:chExt cx="0" cy="0"/>
+        </a:xfrm>
+      </p:grpSpPr>
+      <p:sp>
+        <p:nvSpPr>
+          <p:cNvPr id="2" name="Title 1">
+            <a:extLst>
+              <a:ext uri="{FF2B5EF4-FFF2-40B4-BE49-F238E27FC236}">
+                <a16:creationId xmlns:a16="http://schemas.microsoft.com/office/drawing/2014/main" id="{3C9442D7-B9C1-4CC2-A1AC-6C576E50D77B}"/>
+              </a:ext>
+            </a:extLst>
+          </p:cNvPr>
+          <p:cNvSpPr>
+            <a:spLocks noGrp="1"/>
+          </p:cNvSpPr>
+          <p:nvPr>
+            <p:ph type="title"/>
+          </p:nvPr>
+        </p:nvSpPr>
+        <p:spPr/>
+        <p:txBody>
+          <a:bodyPr/>
+          <a:lstStyle/>
+          <a:p>
+            <a:r>
+              <a:rPr lang="en-SG" dirty="0"/>
+              <a:t>Add Component - Top</a:t>
+            </a:r>
+            <a:endParaRPr lang="en-US" dirty="0"/>
+          </a:p>
+        </p:txBody>
+      </p:sp>
+      <p:sp>
+        <p:nvSpPr>
+          <p:cNvPr id="3" name="Content Placeholder 2">
+            <a:extLst>
+              <a:ext uri="{FF2B5EF4-FFF2-40B4-BE49-F238E27FC236}">
+                <a16:creationId xmlns:a16="http://schemas.microsoft.com/office/drawing/2014/main" id="{7A894F40-0DE6-46C2-8D1D-8EC02234953C}"/>
+              </a:ext>
+            </a:extLst>
+          </p:cNvPr>
+          <p:cNvSpPr>
+            <a:spLocks noGrp="1"/>
+          </p:cNvSpPr>
+          <p:nvPr>
+            <p:ph idx="1"/>
+          </p:nvPr>
+        </p:nvSpPr>
+        <p:spPr>
+          <a:xfrm>
+            <a:off x="628650" y="1825625"/>
+            <a:ext cx="5434220" cy="4351338"/>
+          </a:xfrm>
+        </p:spPr>
+        <p:txBody>
+          <a:bodyPr/>
+          <a:lstStyle/>
+          <a:p>
+            <a:r>
+              <a:rPr lang="en-SG" sz="2400" dirty="0"/>
+              <a:t>Create component </a:t>
+            </a:r>
+            <a:r>
+              <a:rPr lang="en-SG" sz="2400" b="1" dirty="0">
+                <a:solidFill>
+                  <a:srgbClr val="FF0000"/>
+                </a:solidFill>
+              </a:rPr>
+              <a:t>Top</a:t>
+            </a:r>
+          </a:p>
+          <a:p>
+            <a:r>
+              <a:rPr lang="en-SG" sz="2400" b="1" dirty="0">
+                <a:solidFill>
+                  <a:srgbClr val="FF0000"/>
+                </a:solidFill>
+              </a:rPr>
+              <a:t>Enable the component!</a:t>
+            </a:r>
+          </a:p>
+          <a:p>
+            <a:r>
+              <a:rPr lang="en-SG" sz="2400" dirty="0"/>
+              <a:t>Create new sketch, select </a:t>
+            </a:r>
+            <a:r>
+              <a:rPr lang="en-SG" sz="2400" u="sng" dirty="0"/>
+              <a:t>slope</a:t>
+            </a:r>
+            <a:r>
+              <a:rPr lang="en-SG" sz="2400" dirty="0"/>
+              <a:t> surface</a:t>
+            </a:r>
+          </a:p>
+          <a:p>
+            <a:r>
+              <a:rPr lang="en-SG" sz="2400" dirty="0"/>
+              <a:t>Top should line up with the top edge of the legs</a:t>
+            </a:r>
+          </a:p>
+          <a:p>
+            <a:r>
+              <a:rPr lang="en-SG" sz="2400" dirty="0"/>
+              <a:t>Bottom should line up with the slip support stop</a:t>
+            </a:r>
+          </a:p>
+          <a:p>
+            <a:r>
+              <a:rPr lang="en-SG" sz="2400" dirty="0"/>
+              <a:t>Sides extend 20mm on each side</a:t>
+            </a:r>
+          </a:p>
+          <a:p>
+            <a:r>
+              <a:rPr lang="en-SG" sz="2400" dirty="0"/>
+              <a:t>Extrude the top</a:t>
+            </a:r>
+          </a:p>
+        </p:txBody>
+      </p:sp>
+      <p:sp>
+        <p:nvSpPr>
+          <p:cNvPr id="4" name="Slide Number Placeholder 3">
+            <a:extLst>
+              <a:ext uri="{FF2B5EF4-FFF2-40B4-BE49-F238E27FC236}">
+                <a16:creationId xmlns:a16="http://schemas.microsoft.com/office/drawing/2014/main" id="{FDC9CE56-7FA0-4C7F-93EA-AD9E2E6E17AB}"/>
+              </a:ext>
+            </a:extLst>
+          </p:cNvPr>
+          <p:cNvSpPr>
+            <a:spLocks noGrp="1"/>
+          </p:cNvSpPr>
+          <p:nvPr>
+            <p:ph type="sldNum" sz="quarter" idx="12"/>
+          </p:nvPr>
+        </p:nvSpPr>
+        <p:spPr/>
+        <p:txBody>
+          <a:bodyPr/>
+          <a:lstStyle/>
+          <a:p>
+            <a:fld id="{CAB166B3-F268-4CEF-878A-CFB0D0D505D3}" type="slidenum">
+              <a:rPr lang="en-US" smtClean="0"/>
+              <a:t>22</a:t>
+            </a:fld>
+            <a:endParaRPr lang="en-US"/>
+          </a:p>
+        </p:txBody>
+      </p:sp>
+      <p:pic>
+        <p:nvPicPr>
+          <p:cNvPr id="6" name="Picture 5">
+            <a:extLst>
+              <a:ext uri="{FF2B5EF4-FFF2-40B4-BE49-F238E27FC236}">
+                <a16:creationId xmlns:a16="http://schemas.microsoft.com/office/drawing/2014/main" id="{4691A898-EDE9-4151-A33C-3C5F014C3056}"/>
+              </a:ext>
+            </a:extLst>
+          </p:cNvPr>
+          <p:cNvPicPr>
+            <a:picLocks noChangeAspect="1"/>
+          </p:cNvPicPr>
+          <p:nvPr/>
+        </p:nvPicPr>
+        <p:blipFill>
+          <a:blip r:embed="rId2"/>
+          <a:stretch>
+            <a:fillRect/>
+          </a:stretch>
+        </p:blipFill>
+        <p:spPr>
+          <a:xfrm>
+            <a:off x="6262687" y="823913"/>
+            <a:ext cx="2447925" cy="5715000"/>
+          </a:xfrm>
+          <a:prstGeom prst="rect">
+            <a:avLst/>
+          </a:prstGeom>
+        </p:spPr>
+      </p:pic>
+    </p:spTree>
+    <p:extLst>
+      <p:ext uri="{BB962C8B-B14F-4D97-AF65-F5344CB8AC3E}">
+        <p14:creationId xmlns:p14="http://schemas.microsoft.com/office/powerpoint/2010/main" val="3476735552"/>
+      </p:ext>
+    </p:extLst>
+  </p:cSld>
+  <p:clrMapOvr>
+    <a:masterClrMapping/>
+  </p:clrMapOvr>
+</p:sld>
+</file>
+
+<file path=ppt/slides/slide23.xml><?xml version="1.0" encoding="utf-8"?>
+<p:sld xmlns:a="http://schemas.openxmlformats.org/drawingml/2006/main" xmlns:r="http://schemas.openxmlformats.org/officeDocument/2006/relationships" xmlns:p="http://schemas.openxmlformats.org/presentationml/2006/main">
+  <p:cSld>
+    <p:spTree>
+      <p:nvGrpSpPr>
+        <p:cNvPr id="1" name=""/>
+        <p:cNvGrpSpPr/>
+        <p:nvPr/>
+      </p:nvGrpSpPr>
+      <p:grpSpPr>
+        <a:xfrm>
+          <a:off x="0" y="0"/>
+          <a:ext cx="0" cy="0"/>
+          <a:chOff x="0" y="0"/>
+          <a:chExt cx="0" cy="0"/>
+        </a:xfrm>
+      </p:grpSpPr>
+      <p:sp>
+        <p:nvSpPr>
+          <p:cNvPr id="2" name="Title 1">
+            <a:extLst>
+              <a:ext uri="{FF2B5EF4-FFF2-40B4-BE49-F238E27FC236}">
+                <a16:creationId xmlns:a16="http://schemas.microsoft.com/office/drawing/2014/main" id="{9FC60D0C-D4C6-4F04-8F0D-81349D0997F3}"/>
+              </a:ext>
+            </a:extLst>
+          </p:cNvPr>
+          <p:cNvSpPr>
+            <a:spLocks noGrp="1"/>
+          </p:cNvSpPr>
+          <p:nvPr>
+            <p:ph type="title"/>
+          </p:nvPr>
+        </p:nvSpPr>
+        <p:spPr/>
+        <p:txBody>
+          <a:bodyPr/>
+          <a:lstStyle/>
+          <a:p>
+            <a:r>
+              <a:rPr lang="en-SG" dirty="0"/>
+              <a:t>..so far .. so good!</a:t>
+            </a:r>
+            <a:endParaRPr lang="en-US" dirty="0"/>
+          </a:p>
+        </p:txBody>
+      </p:sp>
+      <p:sp>
+        <p:nvSpPr>
+          <p:cNvPr id="3" name="Content Placeholder 2">
+            <a:extLst>
+              <a:ext uri="{FF2B5EF4-FFF2-40B4-BE49-F238E27FC236}">
+                <a16:creationId xmlns:a16="http://schemas.microsoft.com/office/drawing/2014/main" id="{C2CDE8AC-8252-44C5-B3A5-17D2FD0C3D82}"/>
+              </a:ext>
+            </a:extLst>
+          </p:cNvPr>
+          <p:cNvSpPr>
+            <a:spLocks noGrp="1"/>
+          </p:cNvSpPr>
+          <p:nvPr>
+            <p:ph idx="1"/>
+          </p:nvPr>
+        </p:nvSpPr>
+        <p:spPr>
+          <a:xfrm>
+            <a:off x="628650" y="5283200"/>
+            <a:ext cx="7886700" cy="893762"/>
+          </a:xfrm>
+        </p:spPr>
+        <p:txBody>
+          <a:bodyPr/>
+          <a:lstStyle/>
+          <a:p>
+            <a:r>
+              <a:rPr lang="en-SG" sz="2400" dirty="0"/>
+              <a:t>You should have 2 components.</a:t>
+            </a:r>
+          </a:p>
+          <a:p>
+            <a:r>
+              <a:rPr lang="en-SG" sz="2400" dirty="0"/>
+              <a:t>Use Inspect &gt; Component </a:t>
+            </a:r>
+            <a:r>
+              <a:rPr lang="en-SG" sz="2400" dirty="0" err="1"/>
+              <a:t>Color</a:t>
+            </a:r>
+            <a:r>
+              <a:rPr lang="en-SG" sz="2400" dirty="0"/>
+              <a:t> Cycling</a:t>
+            </a:r>
+            <a:endParaRPr lang="en-US" sz="2400" dirty="0"/>
+          </a:p>
+        </p:txBody>
+      </p:sp>
+      <p:sp>
+        <p:nvSpPr>
+          <p:cNvPr id="4" name="Slide Number Placeholder 3">
+            <a:extLst>
+              <a:ext uri="{FF2B5EF4-FFF2-40B4-BE49-F238E27FC236}">
+                <a16:creationId xmlns:a16="http://schemas.microsoft.com/office/drawing/2014/main" id="{DDA3522F-557F-4670-B163-4168ECA29591}"/>
+              </a:ext>
+            </a:extLst>
+          </p:cNvPr>
+          <p:cNvSpPr>
+            <a:spLocks noGrp="1"/>
+          </p:cNvSpPr>
+          <p:nvPr>
+            <p:ph type="sldNum" sz="quarter" idx="12"/>
+          </p:nvPr>
+        </p:nvSpPr>
+        <p:spPr/>
+        <p:txBody>
+          <a:bodyPr/>
+          <a:lstStyle/>
+          <a:p>
+            <a:fld id="{CAB166B3-F268-4CEF-878A-CFB0D0D505D3}" type="slidenum">
+              <a:rPr lang="en-US" smtClean="0"/>
+              <a:t>23</a:t>
+            </a:fld>
+            <a:endParaRPr lang="en-US"/>
+          </a:p>
+        </p:txBody>
+      </p:sp>
+      <p:pic>
+        <p:nvPicPr>
+          <p:cNvPr id="6" name="Picture 5">
+            <a:extLst>
+              <a:ext uri="{FF2B5EF4-FFF2-40B4-BE49-F238E27FC236}">
+                <a16:creationId xmlns:a16="http://schemas.microsoft.com/office/drawing/2014/main" id="{C1D2AB11-4D05-4AE3-8A75-068504B199C1}"/>
+              </a:ext>
+            </a:extLst>
+          </p:cNvPr>
+          <p:cNvPicPr>
+            <a:picLocks noChangeAspect="1"/>
+          </p:cNvPicPr>
+          <p:nvPr/>
+        </p:nvPicPr>
+        <p:blipFill>
+          <a:blip r:embed="rId2"/>
+          <a:stretch>
+            <a:fillRect/>
+          </a:stretch>
+        </p:blipFill>
+        <p:spPr>
+          <a:xfrm>
+            <a:off x="628650" y="1474786"/>
+            <a:ext cx="4619625" cy="3629025"/>
+          </a:xfrm>
+          <a:prstGeom prst="rect">
+            <a:avLst/>
+          </a:prstGeom>
+        </p:spPr>
+      </p:pic>
+      <p:pic>
+        <p:nvPicPr>
+          <p:cNvPr id="10" name="Picture 9">
+            <a:extLst>
+              <a:ext uri="{FF2B5EF4-FFF2-40B4-BE49-F238E27FC236}">
+                <a16:creationId xmlns:a16="http://schemas.microsoft.com/office/drawing/2014/main" id="{2517AABB-23D6-4D9E-A7D7-923E247CD0C1}"/>
+              </a:ext>
+            </a:extLst>
+          </p:cNvPr>
+          <p:cNvPicPr>
+            <a:picLocks noChangeAspect="1"/>
+          </p:cNvPicPr>
+          <p:nvPr/>
+        </p:nvPicPr>
+        <p:blipFill>
+          <a:blip r:embed="rId3"/>
+          <a:stretch>
+            <a:fillRect/>
+          </a:stretch>
+        </p:blipFill>
+        <p:spPr>
+          <a:xfrm>
+            <a:off x="5365115" y="3246436"/>
+            <a:ext cx="3371850" cy="1857375"/>
+          </a:xfrm>
+          <a:prstGeom prst="rect">
+            <a:avLst/>
+          </a:prstGeom>
+        </p:spPr>
+      </p:pic>
+    </p:spTree>
+    <p:extLst>
+      <p:ext uri="{BB962C8B-B14F-4D97-AF65-F5344CB8AC3E}">
+        <p14:creationId xmlns:p14="http://schemas.microsoft.com/office/powerpoint/2010/main" val="3513510180"/>
+      </p:ext>
+    </p:extLst>
+  </p:cSld>
+  <p:clrMapOvr>
+    <a:masterClrMapping/>
+  </p:clrMapOvr>
+</p:sld>
+</file>
+
+<file path=ppt/slides/slide24.xml><?xml version="1.0" encoding="utf-8"?>
+<p:sld xmlns:a="http://schemas.openxmlformats.org/drawingml/2006/main" xmlns:r="http://schemas.openxmlformats.org/officeDocument/2006/relationships" xmlns:p="http://schemas.openxmlformats.org/presentationml/2006/main">
+  <p:cSld>
+    <p:spTree>
+      <p:nvGrpSpPr>
+        <p:cNvPr id="1" name=""/>
+        <p:cNvGrpSpPr/>
+        <p:nvPr/>
+      </p:nvGrpSpPr>
+      <p:grpSpPr>
+        <a:xfrm>
+          <a:off x="0" y="0"/>
+          <a:ext cx="0" cy="0"/>
+          <a:chOff x="0" y="0"/>
+          <a:chExt cx="0" cy="0"/>
+        </a:xfrm>
+      </p:grpSpPr>
+      <p:sp>
+        <p:nvSpPr>
+          <p:cNvPr id="2" name="Title 1">
+            <a:extLst>
+              <a:ext uri="{FF2B5EF4-FFF2-40B4-BE49-F238E27FC236}">
+                <a16:creationId xmlns:a16="http://schemas.microsoft.com/office/drawing/2014/main" id="{83D6A894-B309-476A-BB0F-E96D66BCAEFB}"/>
+              </a:ext>
+            </a:extLst>
+          </p:cNvPr>
+          <p:cNvSpPr>
+            <a:spLocks noGrp="1"/>
+          </p:cNvSpPr>
+          <p:nvPr>
+            <p:ph type="title"/>
+          </p:nvPr>
+        </p:nvSpPr>
+        <p:spPr/>
+        <p:txBody>
+          <a:bodyPr/>
+          <a:lstStyle/>
+          <a:p>
+            <a:r>
+              <a:rPr lang="en-SG" dirty="0"/>
+              <a:t>Fusion 360 History/Playback bar</a:t>
+            </a:r>
+            <a:endParaRPr lang="en-US" dirty="0"/>
+          </a:p>
+        </p:txBody>
+      </p:sp>
+      <p:sp>
+        <p:nvSpPr>
+          <p:cNvPr id="3" name="Content Placeholder 2">
+            <a:extLst>
+              <a:ext uri="{FF2B5EF4-FFF2-40B4-BE49-F238E27FC236}">
+                <a16:creationId xmlns:a16="http://schemas.microsoft.com/office/drawing/2014/main" id="{4B0891F7-F26F-4D84-9A07-7A902ECA7F16}"/>
+              </a:ext>
+            </a:extLst>
+          </p:cNvPr>
+          <p:cNvSpPr>
+            <a:spLocks noGrp="1"/>
+          </p:cNvSpPr>
+          <p:nvPr>
+            <p:ph idx="1"/>
+          </p:nvPr>
+        </p:nvSpPr>
+        <p:spPr>
+          <a:xfrm>
+            <a:off x="628650" y="1825625"/>
+            <a:ext cx="7886700" cy="887758"/>
+          </a:xfrm>
+        </p:spPr>
+        <p:txBody>
+          <a:bodyPr/>
+          <a:lstStyle/>
+          <a:p>
+            <a:r>
+              <a:rPr lang="en-SG" dirty="0"/>
+              <a:t>We can use the History/Playback bar to walk through and edit (sometimes) changes</a:t>
+            </a:r>
+            <a:endParaRPr lang="en-US" dirty="0"/>
+          </a:p>
+        </p:txBody>
+      </p:sp>
+      <p:sp>
+        <p:nvSpPr>
+          <p:cNvPr id="4" name="Slide Number Placeholder 3">
+            <a:extLst>
+              <a:ext uri="{FF2B5EF4-FFF2-40B4-BE49-F238E27FC236}">
+                <a16:creationId xmlns:a16="http://schemas.microsoft.com/office/drawing/2014/main" id="{DFFCA532-DA1A-449E-949E-6E8774B1AFD4}"/>
+              </a:ext>
+            </a:extLst>
+          </p:cNvPr>
+          <p:cNvSpPr>
+            <a:spLocks noGrp="1"/>
+          </p:cNvSpPr>
+          <p:nvPr>
+            <p:ph type="sldNum" sz="quarter" idx="12"/>
+          </p:nvPr>
+        </p:nvSpPr>
+        <p:spPr/>
+        <p:txBody>
+          <a:bodyPr/>
+          <a:lstStyle/>
+          <a:p>
+            <a:fld id="{CAB166B3-F268-4CEF-878A-CFB0D0D505D3}" type="slidenum">
+              <a:rPr lang="en-US" smtClean="0"/>
+              <a:t>24</a:t>
+            </a:fld>
+            <a:endParaRPr lang="en-US"/>
+          </a:p>
+        </p:txBody>
+      </p:sp>
+      <p:pic>
+        <p:nvPicPr>
+          <p:cNvPr id="6" name="Picture 5">
+            <a:extLst>
+              <a:ext uri="{FF2B5EF4-FFF2-40B4-BE49-F238E27FC236}">
+                <a16:creationId xmlns:a16="http://schemas.microsoft.com/office/drawing/2014/main" id="{08CE0D11-B483-4197-BE7D-8181555F2101}"/>
+              </a:ext>
+            </a:extLst>
+          </p:cNvPr>
+          <p:cNvPicPr>
+            <a:picLocks noChangeAspect="1"/>
+          </p:cNvPicPr>
+          <p:nvPr/>
+        </p:nvPicPr>
+        <p:blipFill>
+          <a:blip r:embed="rId2"/>
+          <a:stretch>
+            <a:fillRect/>
+          </a:stretch>
+        </p:blipFill>
+        <p:spPr>
+          <a:xfrm>
+            <a:off x="1000125" y="2763217"/>
+            <a:ext cx="3571875" cy="1771650"/>
+          </a:xfrm>
+          <a:prstGeom prst="rect">
+            <a:avLst/>
+          </a:prstGeom>
+        </p:spPr>
+      </p:pic>
+      <p:pic>
+        <p:nvPicPr>
+          <p:cNvPr id="8" name="Picture 7">
+            <a:extLst>
+              <a:ext uri="{FF2B5EF4-FFF2-40B4-BE49-F238E27FC236}">
+                <a16:creationId xmlns:a16="http://schemas.microsoft.com/office/drawing/2014/main" id="{B4C87706-DFE7-43CB-9026-D9EA87509B73}"/>
+              </a:ext>
+            </a:extLst>
+          </p:cNvPr>
+          <p:cNvPicPr>
+            <a:picLocks noChangeAspect="1"/>
+          </p:cNvPicPr>
+          <p:nvPr/>
+        </p:nvPicPr>
+        <p:blipFill>
+          <a:blip r:embed="rId3"/>
+          <a:stretch>
+            <a:fillRect/>
+          </a:stretch>
+        </p:blipFill>
+        <p:spPr>
+          <a:xfrm>
+            <a:off x="4752975" y="2763217"/>
+            <a:ext cx="2733675" cy="2800350"/>
+          </a:xfrm>
+          <a:prstGeom prst="rect">
+            <a:avLst/>
+          </a:prstGeom>
+        </p:spPr>
+      </p:pic>
+      <p:sp>
+        <p:nvSpPr>
+          <p:cNvPr id="9" name="TextBox 8">
+            <a:extLst>
+              <a:ext uri="{FF2B5EF4-FFF2-40B4-BE49-F238E27FC236}">
+                <a16:creationId xmlns:a16="http://schemas.microsoft.com/office/drawing/2014/main" id="{93ED564B-FC03-43F2-B564-91D8617498D4}"/>
+              </a:ext>
+            </a:extLst>
+          </p:cNvPr>
+          <p:cNvSpPr txBox="1"/>
+          <p:nvPr/>
+        </p:nvSpPr>
+        <p:spPr>
+          <a:xfrm>
+            <a:off x="1000125" y="5233946"/>
+            <a:ext cx="3184277" cy="923330"/>
+          </a:xfrm>
+          <a:prstGeom prst="rect">
+            <a:avLst/>
+          </a:prstGeom>
+          <a:noFill/>
+        </p:spPr>
+        <p:txBody>
+          <a:bodyPr wrap="square" rtlCol="0">
+            <a:spAutoFit/>
+          </a:bodyPr>
+          <a:lstStyle/>
+          <a:p>
+            <a:r>
+              <a:rPr lang="en-SG" dirty="0"/>
+              <a:t>Let’s add supports for our top</a:t>
+            </a:r>
+            <a:r>
+              <a:rPr lang="en-US" dirty="0"/>
+              <a:t> so that it does not move while we use it</a:t>
+            </a:r>
+            <a:endParaRPr lang="en-SG" dirty="0"/>
+          </a:p>
+        </p:txBody>
+      </p:sp>
+    </p:spTree>
+    <p:extLst>
+      <p:ext uri="{BB962C8B-B14F-4D97-AF65-F5344CB8AC3E}">
+        <p14:creationId xmlns:p14="http://schemas.microsoft.com/office/powerpoint/2010/main" val="2693011703"/>
+      </p:ext>
+    </p:extLst>
+  </p:cSld>
+  <p:clrMapOvr>
+    <a:masterClrMapping/>
+  </p:clrMapOvr>
+</p:sld>
+</file>
+
+<file path=ppt/slides/slide25.xml><?xml version="1.0" encoding="utf-8"?>
+<p:sld xmlns:a="http://schemas.openxmlformats.org/drawingml/2006/main" xmlns:r="http://schemas.openxmlformats.org/officeDocument/2006/relationships" xmlns:p="http://schemas.openxmlformats.org/presentationml/2006/main">
+  <p:cSld>
+    <p:spTree>
+      <p:nvGrpSpPr>
+        <p:cNvPr id="1" name=""/>
+        <p:cNvGrpSpPr/>
+        <p:nvPr/>
+      </p:nvGrpSpPr>
+      <p:grpSpPr>
+        <a:xfrm>
+          <a:off x="0" y="0"/>
+          <a:ext cx="0" cy="0"/>
+          <a:chOff x="0" y="0"/>
+          <a:chExt cx="0" cy="0"/>
+        </a:xfrm>
+      </p:grpSpPr>
+      <p:sp>
+        <p:nvSpPr>
+          <p:cNvPr id="2" name="Title 1">
+            <a:extLst>
+              <a:ext uri="{FF2B5EF4-FFF2-40B4-BE49-F238E27FC236}">
+                <a16:creationId xmlns:a16="http://schemas.microsoft.com/office/drawing/2014/main" id="{0C33485A-3E8C-46D9-B4EE-B083A605CBFB}"/>
+              </a:ext>
+            </a:extLst>
+          </p:cNvPr>
+          <p:cNvSpPr>
+            <a:spLocks noGrp="1"/>
+          </p:cNvSpPr>
+          <p:nvPr>
+            <p:ph type="title"/>
+          </p:nvPr>
+        </p:nvSpPr>
+        <p:spPr/>
+        <p:txBody>
+          <a:bodyPr/>
+          <a:lstStyle/>
+          <a:p>
+            <a:r>
+              <a:rPr lang="en-SG" dirty="0"/>
+              <a:t>Edit/Add flanges to the legs</a:t>
+            </a:r>
+            <a:endParaRPr lang="en-US" dirty="0"/>
+          </a:p>
+        </p:txBody>
+      </p:sp>
+      <p:sp>
+        <p:nvSpPr>
+          <p:cNvPr id="3" name="Content Placeholder 2">
+            <a:extLst>
+              <a:ext uri="{FF2B5EF4-FFF2-40B4-BE49-F238E27FC236}">
+                <a16:creationId xmlns:a16="http://schemas.microsoft.com/office/drawing/2014/main" id="{4A905D87-C283-434B-BE8C-A02EFA8245E1}"/>
+              </a:ext>
+            </a:extLst>
+          </p:cNvPr>
+          <p:cNvSpPr>
+            <a:spLocks noGrp="1"/>
+          </p:cNvSpPr>
+          <p:nvPr>
+            <p:ph idx="1"/>
+          </p:nvPr>
+        </p:nvSpPr>
+        <p:spPr>
+          <a:xfrm>
+            <a:off x="628650" y="5130800"/>
+            <a:ext cx="7886700" cy="1046162"/>
+          </a:xfrm>
+        </p:spPr>
+        <p:txBody>
+          <a:bodyPr/>
+          <a:lstStyle/>
+          <a:p>
+            <a:r>
+              <a:rPr lang="en-SG" sz="2400" dirty="0"/>
+              <a:t>Use the history bar to add the flange</a:t>
+            </a:r>
+          </a:p>
+          <a:p>
+            <a:r>
+              <a:rPr lang="en-SG" sz="2400" dirty="0"/>
+              <a:t>The rest of the design will auto-correct itself to accommodate the change</a:t>
+            </a:r>
+            <a:endParaRPr lang="en-US" sz="2400" dirty="0"/>
+          </a:p>
+        </p:txBody>
+      </p:sp>
+      <p:sp>
+        <p:nvSpPr>
+          <p:cNvPr id="4" name="Slide Number Placeholder 3">
+            <a:extLst>
+              <a:ext uri="{FF2B5EF4-FFF2-40B4-BE49-F238E27FC236}">
+                <a16:creationId xmlns:a16="http://schemas.microsoft.com/office/drawing/2014/main" id="{F73E750B-C39E-4F36-B71F-9D81F11BA8EE}"/>
+              </a:ext>
+            </a:extLst>
+          </p:cNvPr>
+          <p:cNvSpPr>
+            <a:spLocks noGrp="1"/>
+          </p:cNvSpPr>
+          <p:nvPr>
+            <p:ph type="sldNum" sz="quarter" idx="12"/>
+          </p:nvPr>
+        </p:nvSpPr>
+        <p:spPr/>
+        <p:txBody>
+          <a:bodyPr/>
+          <a:lstStyle/>
+          <a:p>
+            <a:fld id="{CAB166B3-F268-4CEF-878A-CFB0D0D505D3}" type="slidenum">
+              <a:rPr lang="en-US" smtClean="0"/>
+              <a:t>25</a:t>
+            </a:fld>
+            <a:endParaRPr lang="en-US"/>
+          </a:p>
+        </p:txBody>
+      </p:sp>
+      <p:pic>
+        <p:nvPicPr>
+          <p:cNvPr id="6" name="Picture 5">
+            <a:extLst>
+              <a:ext uri="{FF2B5EF4-FFF2-40B4-BE49-F238E27FC236}">
+                <a16:creationId xmlns:a16="http://schemas.microsoft.com/office/drawing/2014/main" id="{F40DCD0F-FE12-40E3-9ABC-11EDFBD7C17D}"/>
+              </a:ext>
+            </a:extLst>
+          </p:cNvPr>
+          <p:cNvPicPr>
+            <a:picLocks noChangeAspect="1"/>
+          </p:cNvPicPr>
+          <p:nvPr/>
+        </p:nvPicPr>
+        <p:blipFill>
+          <a:blip r:embed="rId2"/>
+          <a:stretch>
+            <a:fillRect/>
+          </a:stretch>
+        </p:blipFill>
+        <p:spPr>
+          <a:xfrm>
+            <a:off x="679450" y="1400492"/>
+            <a:ext cx="6589852" cy="3730308"/>
+          </a:xfrm>
+          <a:prstGeom prst="rect">
+            <a:avLst/>
+          </a:prstGeom>
+        </p:spPr>
+      </p:pic>
+    </p:spTree>
+    <p:extLst>
+      <p:ext uri="{BB962C8B-B14F-4D97-AF65-F5344CB8AC3E}">
+        <p14:creationId xmlns:p14="http://schemas.microsoft.com/office/powerpoint/2010/main" val="1137236764"/>
+      </p:ext>
+    </p:extLst>
+  </p:cSld>
+  <p:clrMapOvr>
+    <a:masterClrMapping/>
+  </p:clrMapOvr>
+</p:sld>
+</file>
+
+<file path=ppt/slides/slide26.xml><?xml version="1.0" encoding="utf-8"?>
+<p:sld xmlns:a="http://schemas.openxmlformats.org/drawingml/2006/main" xmlns:r="http://schemas.openxmlformats.org/officeDocument/2006/relationships" xmlns:p="http://schemas.openxmlformats.org/presentationml/2006/main">
+  <p:cSld>
+    <p:spTree>
+      <p:nvGrpSpPr>
+        <p:cNvPr id="1" name=""/>
+        <p:cNvGrpSpPr/>
+        <p:nvPr/>
+      </p:nvGrpSpPr>
+      <p:grpSpPr>
+        <a:xfrm>
+          <a:off x="0" y="0"/>
+          <a:ext cx="0" cy="0"/>
+          <a:chOff x="0" y="0"/>
+          <a:chExt cx="0" cy="0"/>
+        </a:xfrm>
+      </p:grpSpPr>
+      <p:sp>
+        <p:nvSpPr>
+          <p:cNvPr id="2" name="Title 1">
+            <a:extLst>
+              <a:ext uri="{FF2B5EF4-FFF2-40B4-BE49-F238E27FC236}">
+                <a16:creationId xmlns:a16="http://schemas.microsoft.com/office/drawing/2014/main" id="{17A1DC3B-667E-4032-99C6-6CE9CEEDA032}"/>
+              </a:ext>
+            </a:extLst>
+          </p:cNvPr>
+          <p:cNvSpPr>
+            <a:spLocks noGrp="1"/>
+          </p:cNvSpPr>
+          <p:nvPr>
+            <p:ph type="title"/>
+          </p:nvPr>
+        </p:nvSpPr>
+        <p:spPr/>
+        <p:txBody>
+          <a:bodyPr/>
+          <a:lstStyle/>
+          <a:p>
+            <a:r>
+              <a:rPr lang="en-SG" dirty="0"/>
+              <a:t>Modify &gt; Combine</a:t>
+            </a:r>
+            <a:endParaRPr lang="en-US" dirty="0"/>
+          </a:p>
+        </p:txBody>
+      </p:sp>
+      <p:sp>
+        <p:nvSpPr>
+          <p:cNvPr id="3" name="Content Placeholder 2">
+            <a:extLst>
+              <a:ext uri="{FF2B5EF4-FFF2-40B4-BE49-F238E27FC236}">
+                <a16:creationId xmlns:a16="http://schemas.microsoft.com/office/drawing/2014/main" id="{E8FBF323-486B-4339-A69B-886213CED00A}"/>
+              </a:ext>
+            </a:extLst>
+          </p:cNvPr>
+          <p:cNvSpPr>
+            <a:spLocks noGrp="1"/>
+          </p:cNvSpPr>
+          <p:nvPr>
+            <p:ph idx="1"/>
+          </p:nvPr>
+        </p:nvSpPr>
+        <p:spPr>
+          <a:xfrm>
+            <a:off x="628650" y="5250499"/>
+            <a:ext cx="7886700" cy="1105852"/>
+          </a:xfrm>
+        </p:spPr>
+        <p:txBody>
+          <a:bodyPr/>
+          <a:lstStyle/>
+          <a:p>
+            <a:r>
+              <a:rPr lang="en-SG" sz="2400" dirty="0"/>
+              <a:t>Use the combine function to cut the slots into the top</a:t>
+            </a:r>
+          </a:p>
+          <a:p>
+            <a:r>
+              <a:rPr lang="en-SG" sz="2400" dirty="0"/>
+              <a:t>Remember to “keep tools” after cutting</a:t>
+            </a:r>
+            <a:endParaRPr lang="en-US" sz="2400" dirty="0"/>
+          </a:p>
+        </p:txBody>
+      </p:sp>
+      <p:sp>
+        <p:nvSpPr>
+          <p:cNvPr id="4" name="Slide Number Placeholder 3">
+            <a:extLst>
+              <a:ext uri="{FF2B5EF4-FFF2-40B4-BE49-F238E27FC236}">
+                <a16:creationId xmlns:a16="http://schemas.microsoft.com/office/drawing/2014/main" id="{287A40E8-B158-4919-ADC3-E798370293FF}"/>
+              </a:ext>
+            </a:extLst>
+          </p:cNvPr>
+          <p:cNvSpPr>
+            <a:spLocks noGrp="1"/>
+          </p:cNvSpPr>
+          <p:nvPr>
+            <p:ph type="sldNum" sz="quarter" idx="12"/>
+          </p:nvPr>
+        </p:nvSpPr>
+        <p:spPr/>
+        <p:txBody>
+          <a:bodyPr/>
+          <a:lstStyle/>
+          <a:p>
+            <a:fld id="{CAB166B3-F268-4CEF-878A-CFB0D0D505D3}" type="slidenum">
+              <a:rPr lang="en-US" smtClean="0"/>
+              <a:t>26</a:t>
+            </a:fld>
+            <a:endParaRPr lang="en-US"/>
+          </a:p>
+        </p:txBody>
+      </p:sp>
+      <p:pic>
+        <p:nvPicPr>
+          <p:cNvPr id="6" name="Picture 5">
+            <a:extLst>
+              <a:ext uri="{FF2B5EF4-FFF2-40B4-BE49-F238E27FC236}">
+                <a16:creationId xmlns:a16="http://schemas.microsoft.com/office/drawing/2014/main" id="{7B9C2C14-31EB-4462-881F-27AE4ED05F8F}"/>
+              </a:ext>
+            </a:extLst>
+          </p:cNvPr>
+          <p:cNvPicPr>
+            <a:picLocks noChangeAspect="1"/>
+          </p:cNvPicPr>
+          <p:nvPr/>
+        </p:nvPicPr>
+        <p:blipFill>
+          <a:blip r:embed="rId2"/>
+          <a:stretch>
+            <a:fillRect/>
+          </a:stretch>
+        </p:blipFill>
+        <p:spPr>
+          <a:xfrm>
+            <a:off x="704850" y="1502410"/>
+            <a:ext cx="6781800" cy="3467100"/>
+          </a:xfrm>
+          <a:prstGeom prst="rect">
+            <a:avLst/>
+          </a:prstGeom>
+        </p:spPr>
+      </p:pic>
+    </p:spTree>
+    <p:extLst>
+      <p:ext uri="{BB962C8B-B14F-4D97-AF65-F5344CB8AC3E}">
+        <p14:creationId xmlns:p14="http://schemas.microsoft.com/office/powerpoint/2010/main" val="3631189847"/>
+      </p:ext>
+    </p:extLst>
+  </p:cSld>
+  <p:clrMapOvr>
+    <a:masterClrMapping/>
+  </p:clrMapOvr>
+</p:sld>
+</file>
+
+<file path=ppt/slides/slide27.xml><?xml version="1.0" encoding="utf-8"?>
+<p:sld xmlns:a="http://schemas.openxmlformats.org/drawingml/2006/main" xmlns:r="http://schemas.openxmlformats.org/officeDocument/2006/relationships" xmlns:p="http://schemas.openxmlformats.org/presentationml/2006/main">
+  <p:cSld>
+    <p:spTree>
+      <p:nvGrpSpPr>
+        <p:cNvPr id="1" name=""/>
+        <p:cNvGrpSpPr/>
+        <p:nvPr/>
+      </p:nvGrpSpPr>
+      <p:grpSpPr>
+        <a:xfrm>
+          <a:off x="0" y="0"/>
+          <a:ext cx="0" cy="0"/>
+          <a:chOff x="0" y="0"/>
+          <a:chExt cx="0" cy="0"/>
+        </a:xfrm>
+      </p:grpSpPr>
+      <p:sp>
+        <p:nvSpPr>
+          <p:cNvPr id="2" name="Title 1">
+            <a:extLst>
+              <a:ext uri="{FF2B5EF4-FFF2-40B4-BE49-F238E27FC236}">
+                <a16:creationId xmlns:a16="http://schemas.microsoft.com/office/drawing/2014/main" id="{6F78A854-AFA8-4993-A471-2C916DF57D68}"/>
+              </a:ext>
+            </a:extLst>
+          </p:cNvPr>
+          <p:cNvSpPr>
+            <a:spLocks noGrp="1"/>
+          </p:cNvSpPr>
+          <p:nvPr>
+            <p:ph type="title"/>
+          </p:nvPr>
+        </p:nvSpPr>
+        <p:spPr/>
+        <p:txBody>
+          <a:bodyPr/>
+          <a:lstStyle/>
+          <a:p>
+            <a:r>
+              <a:rPr lang="en-SG" dirty="0"/>
+              <a:t>Add front support</a:t>
+            </a:r>
+            <a:endParaRPr lang="en-US" dirty="0"/>
+          </a:p>
+        </p:txBody>
+      </p:sp>
+      <p:sp>
+        <p:nvSpPr>
+          <p:cNvPr id="3" name="Content Placeholder 2">
+            <a:extLst>
+              <a:ext uri="{FF2B5EF4-FFF2-40B4-BE49-F238E27FC236}">
+                <a16:creationId xmlns:a16="http://schemas.microsoft.com/office/drawing/2014/main" id="{E09EA22C-9AC2-40F1-8443-64FF93586D06}"/>
+              </a:ext>
+            </a:extLst>
+          </p:cNvPr>
+          <p:cNvSpPr>
+            <a:spLocks noGrp="1"/>
+          </p:cNvSpPr>
+          <p:nvPr>
+            <p:ph idx="1"/>
+          </p:nvPr>
+        </p:nvSpPr>
+        <p:spPr>
+          <a:xfrm>
+            <a:off x="5283200" y="1825625"/>
+            <a:ext cx="3505200" cy="4351338"/>
+          </a:xfrm>
+        </p:spPr>
+        <p:txBody>
+          <a:bodyPr/>
+          <a:lstStyle/>
+          <a:p>
+            <a:r>
+              <a:rPr lang="en-SG" sz="2400" dirty="0"/>
+              <a:t>The front support adds strength to the frame</a:t>
+            </a:r>
+          </a:p>
+          <a:p>
+            <a:r>
+              <a:rPr lang="en-SG" sz="2400" dirty="0"/>
+              <a:t>Offset the spar from the front e.g. 40mm</a:t>
+            </a:r>
+          </a:p>
+          <a:p>
+            <a:r>
+              <a:rPr lang="en-SG" sz="2400" dirty="0"/>
+              <a:t>Protrude the side for support</a:t>
+            </a:r>
+          </a:p>
+          <a:p>
+            <a:r>
+              <a:rPr lang="en-SG" sz="2400" dirty="0"/>
+              <a:t>Use Combine to cut the slots on the legs</a:t>
+            </a:r>
+            <a:endParaRPr lang="en-US" sz="2400" dirty="0"/>
+          </a:p>
+        </p:txBody>
+      </p:sp>
+      <p:sp>
+        <p:nvSpPr>
+          <p:cNvPr id="4" name="Slide Number Placeholder 3">
+            <a:extLst>
+              <a:ext uri="{FF2B5EF4-FFF2-40B4-BE49-F238E27FC236}">
+                <a16:creationId xmlns:a16="http://schemas.microsoft.com/office/drawing/2014/main" id="{A49ECEE9-83F5-4EC9-9C95-9CDEE44CA3B1}"/>
+              </a:ext>
+            </a:extLst>
+          </p:cNvPr>
+          <p:cNvSpPr>
+            <a:spLocks noGrp="1"/>
+          </p:cNvSpPr>
+          <p:nvPr>
+            <p:ph type="sldNum" sz="quarter" idx="12"/>
+          </p:nvPr>
+        </p:nvSpPr>
+        <p:spPr/>
+        <p:txBody>
+          <a:bodyPr/>
+          <a:lstStyle/>
+          <a:p>
+            <a:fld id="{CAB166B3-F268-4CEF-878A-CFB0D0D505D3}" type="slidenum">
+              <a:rPr lang="en-US" smtClean="0"/>
+              <a:t>27</a:t>
+            </a:fld>
+            <a:endParaRPr lang="en-US"/>
+          </a:p>
+        </p:txBody>
+      </p:sp>
+      <p:pic>
+        <p:nvPicPr>
+          <p:cNvPr id="6" name="Picture 5">
+            <a:extLst>
+              <a:ext uri="{FF2B5EF4-FFF2-40B4-BE49-F238E27FC236}">
+                <a16:creationId xmlns:a16="http://schemas.microsoft.com/office/drawing/2014/main" id="{1419D7B6-C8E8-4BFB-A408-8081BFEFF961}"/>
+              </a:ext>
+            </a:extLst>
+          </p:cNvPr>
+          <p:cNvPicPr>
+            <a:picLocks noChangeAspect="1"/>
+          </p:cNvPicPr>
+          <p:nvPr/>
+        </p:nvPicPr>
+        <p:blipFill>
+          <a:blip r:embed="rId2"/>
+          <a:stretch>
+            <a:fillRect/>
+          </a:stretch>
+        </p:blipFill>
+        <p:spPr>
+          <a:xfrm>
+            <a:off x="476250" y="1825625"/>
+            <a:ext cx="4714875" cy="4114800"/>
+          </a:xfrm>
+          <a:prstGeom prst="rect">
+            <a:avLst/>
+          </a:prstGeom>
+        </p:spPr>
+      </p:pic>
+    </p:spTree>
+    <p:extLst>
+      <p:ext uri="{BB962C8B-B14F-4D97-AF65-F5344CB8AC3E}">
+        <p14:creationId xmlns:p14="http://schemas.microsoft.com/office/powerpoint/2010/main" val="3780227429"/>
+      </p:ext>
+    </p:extLst>
+  </p:cSld>
+  <p:clrMapOvr>
+    <a:masterClrMapping/>
+  </p:clrMapOvr>
+</p:sld>
+</file>
+
+<file path=ppt/slides/slide28.xml><?xml version="1.0" encoding="utf-8"?>
+<p:sld xmlns:a="http://schemas.openxmlformats.org/drawingml/2006/main" xmlns:r="http://schemas.openxmlformats.org/officeDocument/2006/relationships" xmlns:p="http://schemas.openxmlformats.org/presentationml/2006/main">
+  <p:cSld>
+    <p:spTree>
+      <p:nvGrpSpPr>
+        <p:cNvPr id="1" name=""/>
+        <p:cNvGrpSpPr/>
+        <p:nvPr/>
+      </p:nvGrpSpPr>
+      <p:grpSpPr>
+        <a:xfrm>
+          <a:off x="0" y="0"/>
+          <a:ext cx="0" cy="0"/>
+          <a:chOff x="0" y="0"/>
+          <a:chExt cx="0" cy="0"/>
+        </a:xfrm>
+      </p:grpSpPr>
+      <p:sp>
+        <p:nvSpPr>
+          <p:cNvPr id="2" name="Title 1">
+            <a:extLst>
+              <a:ext uri="{FF2B5EF4-FFF2-40B4-BE49-F238E27FC236}">
+                <a16:creationId xmlns:a16="http://schemas.microsoft.com/office/drawing/2014/main" id="{4EBC85A2-48AB-49E8-9041-332BB61616E9}"/>
+              </a:ext>
+            </a:extLst>
+          </p:cNvPr>
+          <p:cNvSpPr>
+            <a:spLocks noGrp="1"/>
+          </p:cNvSpPr>
+          <p:nvPr>
+            <p:ph type="title"/>
+          </p:nvPr>
+        </p:nvSpPr>
+        <p:spPr/>
+        <p:txBody>
+          <a:bodyPr/>
+          <a:lstStyle/>
+          <a:p>
+            <a:r>
+              <a:rPr lang="en-SG" dirty="0"/>
+              <a:t>Add back support</a:t>
+            </a:r>
+            <a:endParaRPr lang="en-US" dirty="0"/>
+          </a:p>
+        </p:txBody>
+      </p:sp>
+      <p:sp>
+        <p:nvSpPr>
+          <p:cNvPr id="3" name="Content Placeholder 2">
+            <a:extLst>
+              <a:ext uri="{FF2B5EF4-FFF2-40B4-BE49-F238E27FC236}">
+                <a16:creationId xmlns:a16="http://schemas.microsoft.com/office/drawing/2014/main" id="{499B371F-861F-4B19-AF78-CE2262FA5B1F}"/>
+              </a:ext>
+            </a:extLst>
+          </p:cNvPr>
+          <p:cNvSpPr>
+            <a:spLocks noGrp="1"/>
+          </p:cNvSpPr>
+          <p:nvPr>
+            <p:ph idx="1"/>
+          </p:nvPr>
+        </p:nvSpPr>
+        <p:spPr>
+          <a:xfrm>
+            <a:off x="3679189" y="1825625"/>
+            <a:ext cx="4836161" cy="4351338"/>
+          </a:xfrm>
+        </p:spPr>
+        <p:txBody>
+          <a:bodyPr/>
+          <a:lstStyle/>
+          <a:p>
+            <a:r>
+              <a:rPr lang="en-SG" sz="2400" dirty="0"/>
+              <a:t>Create new component</a:t>
+            </a:r>
+          </a:p>
+          <a:p>
+            <a:r>
+              <a:rPr lang="en-SG" sz="2400" dirty="0"/>
+              <a:t>Create offset plane from back leg</a:t>
+            </a:r>
+          </a:p>
+          <a:p>
+            <a:r>
+              <a:rPr lang="en-SG" sz="2400" dirty="0"/>
+              <a:t>Create new sketch</a:t>
+            </a:r>
+          </a:p>
+          <a:p>
+            <a:r>
+              <a:rPr lang="en-SG" sz="2400" dirty="0"/>
+              <a:t>Draw structure, ensure constraints</a:t>
+            </a:r>
+          </a:p>
+          <a:p>
+            <a:r>
+              <a:rPr lang="en-SG" sz="2400" dirty="0"/>
+              <a:t>Modify &gt; Combine to cut out the slots</a:t>
+            </a:r>
+            <a:endParaRPr lang="en-US" sz="2400" dirty="0"/>
+          </a:p>
+        </p:txBody>
+      </p:sp>
+      <p:sp>
+        <p:nvSpPr>
+          <p:cNvPr id="4" name="Slide Number Placeholder 3">
+            <a:extLst>
+              <a:ext uri="{FF2B5EF4-FFF2-40B4-BE49-F238E27FC236}">
+                <a16:creationId xmlns:a16="http://schemas.microsoft.com/office/drawing/2014/main" id="{FF72D12A-3F42-4E33-A5DE-7823AE6FF3EB}"/>
+              </a:ext>
+            </a:extLst>
+          </p:cNvPr>
+          <p:cNvSpPr>
+            <a:spLocks noGrp="1"/>
+          </p:cNvSpPr>
+          <p:nvPr>
+            <p:ph type="sldNum" sz="quarter" idx="12"/>
+          </p:nvPr>
+        </p:nvSpPr>
+        <p:spPr/>
+        <p:txBody>
+          <a:bodyPr/>
+          <a:lstStyle/>
+          <a:p>
+            <a:fld id="{CAB166B3-F268-4CEF-878A-CFB0D0D505D3}" type="slidenum">
+              <a:rPr lang="en-US" smtClean="0"/>
+              <a:t>28</a:t>
+            </a:fld>
+            <a:endParaRPr lang="en-US"/>
+          </a:p>
+        </p:txBody>
+      </p:sp>
+      <p:pic>
+        <p:nvPicPr>
+          <p:cNvPr id="6" name="Picture 5">
+            <a:extLst>
+              <a:ext uri="{FF2B5EF4-FFF2-40B4-BE49-F238E27FC236}">
+                <a16:creationId xmlns:a16="http://schemas.microsoft.com/office/drawing/2014/main" id="{67517D5B-C3B8-4DCE-B069-A92F31921F3E}"/>
+              </a:ext>
+            </a:extLst>
+          </p:cNvPr>
+          <p:cNvPicPr>
+            <a:picLocks noChangeAspect="1"/>
+          </p:cNvPicPr>
+          <p:nvPr/>
+        </p:nvPicPr>
+        <p:blipFill>
+          <a:blip r:embed="rId2"/>
+          <a:stretch>
+            <a:fillRect/>
+          </a:stretch>
+        </p:blipFill>
+        <p:spPr>
+          <a:xfrm>
+            <a:off x="701357" y="1843089"/>
+            <a:ext cx="2905125" cy="2943225"/>
+          </a:xfrm>
+          <a:prstGeom prst="rect">
+            <a:avLst/>
+          </a:prstGeom>
+        </p:spPr>
+      </p:pic>
+    </p:spTree>
+    <p:extLst>
+      <p:ext uri="{BB962C8B-B14F-4D97-AF65-F5344CB8AC3E}">
+        <p14:creationId xmlns:p14="http://schemas.microsoft.com/office/powerpoint/2010/main" val="1720722330"/>
+      </p:ext>
+    </p:extLst>
+  </p:cSld>
+  <p:clrMapOvr>
+    <a:masterClrMapping/>
+  </p:clrMapOvr>
+</p:sld>
+</file>
+
+<file path=ppt/slides/slide29.xml><?xml version="1.0" encoding="utf-8"?>
+<p:sld xmlns:a="http://schemas.openxmlformats.org/drawingml/2006/main" xmlns:r="http://schemas.openxmlformats.org/officeDocument/2006/relationships" xmlns:p="http://schemas.openxmlformats.org/presentationml/2006/main">
+  <p:cSld>
+    <p:spTree>
+      <p:nvGrpSpPr>
+        <p:cNvPr id="1" name=""/>
+        <p:cNvGrpSpPr/>
+        <p:nvPr/>
+      </p:nvGrpSpPr>
+      <p:grpSpPr>
+        <a:xfrm>
+          <a:off x="0" y="0"/>
+          <a:ext cx="0" cy="0"/>
+          <a:chOff x="0" y="0"/>
+          <a:chExt cx="0" cy="0"/>
+        </a:xfrm>
+      </p:grpSpPr>
+      <p:sp>
+        <p:nvSpPr>
+          <p:cNvPr id="2" name="Title 1">
+            <a:extLst>
+              <a:ext uri="{FF2B5EF4-FFF2-40B4-BE49-F238E27FC236}">
+                <a16:creationId xmlns:a16="http://schemas.microsoft.com/office/drawing/2014/main" id="{5FCE7195-69F7-4CF5-BE12-3D5397919F94}"/>
+              </a:ext>
+            </a:extLst>
+          </p:cNvPr>
+          <p:cNvSpPr>
+            <a:spLocks noGrp="1"/>
+          </p:cNvSpPr>
+          <p:nvPr>
+            <p:ph type="title"/>
+          </p:nvPr>
+        </p:nvSpPr>
+        <p:spPr/>
+        <p:txBody>
+          <a:bodyPr/>
+          <a:lstStyle/>
+          <a:p>
+            <a:r>
+              <a:rPr lang="en-SG" dirty="0"/>
+              <a:t>Completed Model</a:t>
+            </a:r>
+            <a:endParaRPr lang="en-US" dirty="0"/>
+          </a:p>
+        </p:txBody>
+      </p:sp>
+      <p:sp>
+        <p:nvSpPr>
+          <p:cNvPr id="3" name="Content Placeholder 2">
+            <a:extLst>
+              <a:ext uri="{FF2B5EF4-FFF2-40B4-BE49-F238E27FC236}">
+                <a16:creationId xmlns:a16="http://schemas.microsoft.com/office/drawing/2014/main" id="{7C64E0CB-54E4-4CC1-803D-ECC31E1DB43A}"/>
+              </a:ext>
+            </a:extLst>
+          </p:cNvPr>
+          <p:cNvSpPr>
+            <a:spLocks noGrp="1"/>
+          </p:cNvSpPr>
+          <p:nvPr>
+            <p:ph idx="1"/>
+          </p:nvPr>
+        </p:nvSpPr>
+        <p:spPr>
+          <a:xfrm>
+            <a:off x="6004560" y="1554481"/>
+            <a:ext cx="2510790" cy="4622482"/>
+          </a:xfrm>
+        </p:spPr>
+        <p:txBody>
+          <a:bodyPr/>
+          <a:lstStyle/>
+          <a:p>
+            <a:r>
+              <a:rPr lang="en-SG" dirty="0"/>
+              <a:t>Move the bodies and examine the result</a:t>
+            </a:r>
+          </a:p>
+          <a:p>
+            <a:r>
+              <a:rPr lang="en-SG" dirty="0"/>
+              <a:t>Check for clearances and cuts</a:t>
+            </a:r>
+            <a:endParaRPr lang="en-US" dirty="0"/>
+          </a:p>
+        </p:txBody>
+      </p:sp>
+      <p:sp>
+        <p:nvSpPr>
+          <p:cNvPr id="4" name="Slide Number Placeholder 3">
+            <a:extLst>
+              <a:ext uri="{FF2B5EF4-FFF2-40B4-BE49-F238E27FC236}">
+                <a16:creationId xmlns:a16="http://schemas.microsoft.com/office/drawing/2014/main" id="{99DA1619-1046-4431-9C43-1EF7F1B569F1}"/>
+              </a:ext>
+            </a:extLst>
+          </p:cNvPr>
+          <p:cNvSpPr>
+            <a:spLocks noGrp="1"/>
+          </p:cNvSpPr>
+          <p:nvPr>
+            <p:ph type="sldNum" sz="quarter" idx="12"/>
+          </p:nvPr>
+        </p:nvSpPr>
+        <p:spPr/>
+        <p:txBody>
+          <a:bodyPr/>
+          <a:lstStyle/>
+          <a:p>
+            <a:fld id="{CAB166B3-F268-4CEF-878A-CFB0D0D505D3}" type="slidenum">
+              <a:rPr lang="en-US" smtClean="0"/>
+              <a:t>29</a:t>
+            </a:fld>
+            <a:endParaRPr lang="en-US"/>
+          </a:p>
+        </p:txBody>
+      </p:sp>
+      <p:pic>
+        <p:nvPicPr>
+          <p:cNvPr id="6" name="Picture 5">
+            <a:extLst>
+              <a:ext uri="{FF2B5EF4-FFF2-40B4-BE49-F238E27FC236}">
+                <a16:creationId xmlns:a16="http://schemas.microsoft.com/office/drawing/2014/main" id="{65041BA6-726E-4577-B1AB-52D872B121F1}"/>
+              </a:ext>
+            </a:extLst>
+          </p:cNvPr>
+          <p:cNvPicPr>
+            <a:picLocks noChangeAspect="1"/>
+          </p:cNvPicPr>
+          <p:nvPr/>
+        </p:nvPicPr>
+        <p:blipFill>
+          <a:blip r:embed="rId2"/>
+          <a:stretch>
+            <a:fillRect/>
+          </a:stretch>
+        </p:blipFill>
+        <p:spPr>
+          <a:xfrm>
+            <a:off x="628650" y="1416049"/>
+            <a:ext cx="5038725" cy="5076825"/>
+          </a:xfrm>
+          <a:prstGeom prst="rect">
+            <a:avLst/>
+          </a:prstGeom>
+        </p:spPr>
+      </p:pic>
+    </p:spTree>
+    <p:extLst>
+      <p:ext uri="{BB962C8B-B14F-4D97-AF65-F5344CB8AC3E}">
+        <p14:creationId xmlns:p14="http://schemas.microsoft.com/office/powerpoint/2010/main" val="3833184451"/>
+      </p:ext>
+    </p:extLst>
+  </p:cSld>
+  <p:clrMapOvr>
+    <a:masterClrMapping/>
+  </p:clrMapOvr>
+</p:sld>
+</file>
+
 <file path=ppt/slides/slide3.xml><?xml version="1.0" encoding="utf-8"?>
 <p:sld xmlns:a="http://schemas.openxmlformats.org/drawingml/2006/main" xmlns:r="http://schemas.openxmlformats.org/officeDocument/2006/relationships" xmlns:p="http://schemas.openxmlformats.org/presentationml/2006/main">
   <p:cSld>
@@ -5496,6 +8250,625 @@
     <p:extLst>
       <p:ext uri="{BB962C8B-B14F-4D97-AF65-F5344CB8AC3E}">
         <p14:creationId xmlns:p14="http://schemas.microsoft.com/office/powerpoint/2010/main" val="2654024958"/>
+      </p:ext>
+    </p:extLst>
+  </p:cSld>
+  <p:clrMapOvr>
+    <a:masterClrMapping/>
+  </p:clrMapOvr>
+</p:sld>
+</file>
+
+<file path=ppt/slides/slide30.xml><?xml version="1.0" encoding="utf-8"?>
+<p:sld xmlns:a="http://schemas.openxmlformats.org/drawingml/2006/main" xmlns:r="http://schemas.openxmlformats.org/officeDocument/2006/relationships" xmlns:p="http://schemas.openxmlformats.org/presentationml/2006/main">
+  <p:cSld>
+    <p:spTree>
+      <p:nvGrpSpPr>
+        <p:cNvPr id="1" name=""/>
+        <p:cNvGrpSpPr/>
+        <p:nvPr/>
+      </p:nvGrpSpPr>
+      <p:grpSpPr>
+        <a:xfrm>
+          <a:off x="0" y="0"/>
+          <a:ext cx="0" cy="0"/>
+          <a:chOff x="0" y="0"/>
+          <a:chExt cx="0" cy="0"/>
+        </a:xfrm>
+      </p:grpSpPr>
+      <p:sp>
+        <p:nvSpPr>
+          <p:cNvPr id="2" name="Title 1">
+            <a:extLst>
+              <a:ext uri="{FF2B5EF4-FFF2-40B4-BE49-F238E27FC236}">
+                <a16:creationId xmlns:a16="http://schemas.microsoft.com/office/drawing/2014/main" id="{AF5A5AF6-660E-4AB0-A5AC-1BB5D65A87F1}"/>
+              </a:ext>
+            </a:extLst>
+          </p:cNvPr>
+          <p:cNvSpPr>
+            <a:spLocks noGrp="1"/>
+          </p:cNvSpPr>
+          <p:nvPr>
+            <p:ph type="title"/>
+          </p:nvPr>
+        </p:nvSpPr>
+        <p:spPr/>
+        <p:txBody>
+          <a:bodyPr/>
+          <a:lstStyle/>
+          <a:p>
+            <a:r>
+              <a:rPr lang="en-SG" dirty="0"/>
+              <a:t>Finishing touches</a:t>
+            </a:r>
+            <a:endParaRPr lang="en-US" dirty="0"/>
+          </a:p>
+        </p:txBody>
+      </p:sp>
+      <p:sp>
+        <p:nvSpPr>
+          <p:cNvPr id="3" name="Content Placeholder 2">
+            <a:extLst>
+              <a:ext uri="{FF2B5EF4-FFF2-40B4-BE49-F238E27FC236}">
+                <a16:creationId xmlns:a16="http://schemas.microsoft.com/office/drawing/2014/main" id="{9E49EAB6-3907-49D4-AA5E-8B345062E253}"/>
+              </a:ext>
+            </a:extLst>
+          </p:cNvPr>
+          <p:cNvSpPr>
+            <a:spLocks noGrp="1"/>
+          </p:cNvSpPr>
+          <p:nvPr>
+            <p:ph idx="1"/>
+          </p:nvPr>
+        </p:nvSpPr>
+        <p:spPr>
+          <a:xfrm>
+            <a:off x="628650" y="1825625"/>
+            <a:ext cx="4634230" cy="4351338"/>
+          </a:xfrm>
+        </p:spPr>
+        <p:txBody>
+          <a:bodyPr/>
+          <a:lstStyle/>
+          <a:p>
+            <a:r>
+              <a:rPr lang="en-SG" dirty="0"/>
+              <a:t>Fillet (smooth) the edges</a:t>
+            </a:r>
+          </a:p>
+          <a:p>
+            <a:r>
+              <a:rPr lang="en-SG" dirty="0"/>
+              <a:t>Fillet/Chamfer the joints for easy insertion</a:t>
+            </a:r>
+            <a:endParaRPr lang="en-US" dirty="0"/>
+          </a:p>
+        </p:txBody>
+      </p:sp>
+      <p:sp>
+        <p:nvSpPr>
+          <p:cNvPr id="4" name="Slide Number Placeholder 3">
+            <a:extLst>
+              <a:ext uri="{FF2B5EF4-FFF2-40B4-BE49-F238E27FC236}">
+                <a16:creationId xmlns:a16="http://schemas.microsoft.com/office/drawing/2014/main" id="{F649F714-340A-4E25-B9EA-D5B23734E5C2}"/>
+              </a:ext>
+            </a:extLst>
+          </p:cNvPr>
+          <p:cNvSpPr>
+            <a:spLocks noGrp="1"/>
+          </p:cNvSpPr>
+          <p:nvPr>
+            <p:ph type="sldNum" sz="quarter" idx="12"/>
+          </p:nvPr>
+        </p:nvSpPr>
+        <p:spPr/>
+        <p:txBody>
+          <a:bodyPr/>
+          <a:lstStyle/>
+          <a:p>
+            <a:fld id="{CAB166B3-F268-4CEF-878A-CFB0D0D505D3}" type="slidenum">
+              <a:rPr lang="en-US" smtClean="0"/>
+              <a:t>30</a:t>
+            </a:fld>
+            <a:endParaRPr lang="en-US"/>
+          </a:p>
+        </p:txBody>
+      </p:sp>
+      <p:pic>
+        <p:nvPicPr>
+          <p:cNvPr id="6" name="Picture 5">
+            <a:extLst>
+              <a:ext uri="{FF2B5EF4-FFF2-40B4-BE49-F238E27FC236}">
+                <a16:creationId xmlns:a16="http://schemas.microsoft.com/office/drawing/2014/main" id="{C123DBA9-1F54-4BE5-9DF5-912E6A82D4FA}"/>
+              </a:ext>
+            </a:extLst>
+          </p:cNvPr>
+          <p:cNvPicPr>
+            <a:picLocks noChangeAspect="1"/>
+          </p:cNvPicPr>
+          <p:nvPr/>
+        </p:nvPicPr>
+        <p:blipFill>
+          <a:blip r:embed="rId2"/>
+          <a:stretch>
+            <a:fillRect/>
+          </a:stretch>
+        </p:blipFill>
+        <p:spPr>
+          <a:xfrm>
+            <a:off x="5383212" y="1825625"/>
+            <a:ext cx="2847975" cy="2514600"/>
+          </a:xfrm>
+          <a:prstGeom prst="rect">
+            <a:avLst/>
+          </a:prstGeom>
+        </p:spPr>
+      </p:pic>
+    </p:spTree>
+    <p:extLst>
+      <p:ext uri="{BB962C8B-B14F-4D97-AF65-F5344CB8AC3E}">
+        <p14:creationId xmlns:p14="http://schemas.microsoft.com/office/powerpoint/2010/main" val="3308213625"/>
+      </p:ext>
+    </p:extLst>
+  </p:cSld>
+  <p:clrMapOvr>
+    <a:masterClrMapping/>
+  </p:clrMapOvr>
+</p:sld>
+</file>
+
+<file path=ppt/slides/slide31.xml><?xml version="1.0" encoding="utf-8"?>
+<p:sld xmlns:a="http://schemas.openxmlformats.org/drawingml/2006/main" xmlns:r="http://schemas.openxmlformats.org/officeDocument/2006/relationships" xmlns:p="http://schemas.openxmlformats.org/presentationml/2006/main">
+  <p:cSld>
+    <p:spTree>
+      <p:nvGrpSpPr>
+        <p:cNvPr id="1" name=""/>
+        <p:cNvGrpSpPr/>
+        <p:nvPr/>
+      </p:nvGrpSpPr>
+      <p:grpSpPr>
+        <a:xfrm>
+          <a:off x="0" y="0"/>
+          <a:ext cx="0" cy="0"/>
+          <a:chOff x="0" y="0"/>
+          <a:chExt cx="0" cy="0"/>
+        </a:xfrm>
+      </p:grpSpPr>
+      <p:sp>
+        <p:nvSpPr>
+          <p:cNvPr id="2" name="Title 1">
+            <a:extLst>
+              <a:ext uri="{FF2B5EF4-FFF2-40B4-BE49-F238E27FC236}">
+                <a16:creationId xmlns:a16="http://schemas.microsoft.com/office/drawing/2014/main" id="{53626126-8107-4772-9A21-8A09973C816A}"/>
+              </a:ext>
+            </a:extLst>
+          </p:cNvPr>
+          <p:cNvSpPr>
+            <a:spLocks noGrp="1"/>
+          </p:cNvSpPr>
+          <p:nvPr>
+            <p:ph type="title"/>
+          </p:nvPr>
+        </p:nvSpPr>
+        <p:spPr/>
+        <p:txBody>
+          <a:bodyPr/>
+          <a:lstStyle/>
+          <a:p>
+            <a:r>
+              <a:rPr lang="en-SG" dirty="0"/>
+              <a:t>Export &amp; check the DXF for cutting</a:t>
+            </a:r>
+            <a:endParaRPr lang="en-US" dirty="0"/>
+          </a:p>
+        </p:txBody>
+      </p:sp>
+      <p:sp>
+        <p:nvSpPr>
+          <p:cNvPr id="3" name="Content Placeholder 2">
+            <a:extLst>
+              <a:ext uri="{FF2B5EF4-FFF2-40B4-BE49-F238E27FC236}">
+                <a16:creationId xmlns:a16="http://schemas.microsoft.com/office/drawing/2014/main" id="{E77197D4-601C-401C-9073-4A3C3EC03C2E}"/>
+              </a:ext>
+            </a:extLst>
+          </p:cNvPr>
+          <p:cNvSpPr>
+            <a:spLocks noGrp="1"/>
+          </p:cNvSpPr>
+          <p:nvPr>
+            <p:ph idx="1"/>
+          </p:nvPr>
+        </p:nvSpPr>
+        <p:spPr>
+          <a:xfrm>
+            <a:off x="628650" y="1825625"/>
+            <a:ext cx="3415030" cy="4351338"/>
+          </a:xfrm>
+        </p:spPr>
+        <p:txBody>
+          <a:bodyPr/>
+          <a:lstStyle/>
+          <a:p>
+            <a:r>
+              <a:rPr lang="en-SG" dirty="0"/>
+              <a:t>For each body</a:t>
+            </a:r>
+          </a:p>
+          <a:p>
+            <a:pPr lvl="1"/>
+            <a:r>
+              <a:rPr lang="en-SG" dirty="0"/>
+              <a:t>Turn off other components/bodies</a:t>
+            </a:r>
+          </a:p>
+          <a:p>
+            <a:pPr lvl="1"/>
+            <a:r>
+              <a:rPr lang="en-SG" dirty="0"/>
+              <a:t>Create new sketch for cut profile</a:t>
+            </a:r>
+          </a:p>
+          <a:p>
+            <a:pPr lvl="1"/>
+            <a:r>
+              <a:rPr lang="en-SG" dirty="0"/>
+              <a:t>Rename the sketch for reference</a:t>
+            </a:r>
+          </a:p>
+          <a:p>
+            <a:pPr lvl="1"/>
+            <a:r>
+              <a:rPr lang="en-SG" dirty="0"/>
+              <a:t>Export to DXF</a:t>
+            </a:r>
+          </a:p>
+          <a:p>
+            <a:r>
+              <a:rPr lang="en-SG" dirty="0"/>
+              <a:t>Use </a:t>
+            </a:r>
+            <a:r>
+              <a:rPr lang="en-SG" dirty="0" err="1"/>
+              <a:t>LibreCAD</a:t>
+            </a:r>
+            <a:r>
+              <a:rPr lang="en-SG" dirty="0"/>
+              <a:t> to check or layout the cuts</a:t>
+            </a:r>
+            <a:endParaRPr lang="en-US" dirty="0"/>
+          </a:p>
+        </p:txBody>
+      </p:sp>
+      <p:sp>
+        <p:nvSpPr>
+          <p:cNvPr id="4" name="Slide Number Placeholder 3">
+            <a:extLst>
+              <a:ext uri="{FF2B5EF4-FFF2-40B4-BE49-F238E27FC236}">
+                <a16:creationId xmlns:a16="http://schemas.microsoft.com/office/drawing/2014/main" id="{B9BF864A-EA26-40AB-BFFC-814ABA89964C}"/>
+              </a:ext>
+            </a:extLst>
+          </p:cNvPr>
+          <p:cNvSpPr>
+            <a:spLocks noGrp="1"/>
+          </p:cNvSpPr>
+          <p:nvPr>
+            <p:ph type="sldNum" sz="quarter" idx="12"/>
+          </p:nvPr>
+        </p:nvSpPr>
+        <p:spPr/>
+        <p:txBody>
+          <a:bodyPr/>
+          <a:lstStyle/>
+          <a:p>
+            <a:fld id="{CAB166B3-F268-4CEF-878A-CFB0D0D505D3}" type="slidenum">
+              <a:rPr lang="en-US" smtClean="0"/>
+              <a:t>31</a:t>
+            </a:fld>
+            <a:endParaRPr lang="en-US"/>
+          </a:p>
+        </p:txBody>
+      </p:sp>
+      <p:pic>
+        <p:nvPicPr>
+          <p:cNvPr id="6" name="Picture 5">
+            <a:extLst>
+              <a:ext uri="{FF2B5EF4-FFF2-40B4-BE49-F238E27FC236}">
+                <a16:creationId xmlns:a16="http://schemas.microsoft.com/office/drawing/2014/main" id="{5D936F90-2B24-40F5-8874-4C7B3427895E}"/>
+              </a:ext>
+            </a:extLst>
+          </p:cNvPr>
+          <p:cNvPicPr>
+            <a:picLocks noChangeAspect="1"/>
+          </p:cNvPicPr>
+          <p:nvPr/>
+        </p:nvPicPr>
+        <p:blipFill>
+          <a:blip r:embed="rId2"/>
+          <a:stretch>
+            <a:fillRect/>
+          </a:stretch>
+        </p:blipFill>
+        <p:spPr>
+          <a:xfrm>
+            <a:off x="4798378" y="1495426"/>
+            <a:ext cx="3470618" cy="5099684"/>
+          </a:xfrm>
+          <a:prstGeom prst="rect">
+            <a:avLst/>
+          </a:prstGeom>
+        </p:spPr>
+      </p:pic>
+    </p:spTree>
+    <p:extLst>
+      <p:ext uri="{BB962C8B-B14F-4D97-AF65-F5344CB8AC3E}">
+        <p14:creationId xmlns:p14="http://schemas.microsoft.com/office/powerpoint/2010/main" val="3393224146"/>
+      </p:ext>
+    </p:extLst>
+  </p:cSld>
+  <p:clrMapOvr>
+    <a:masterClrMapping/>
+  </p:clrMapOvr>
+</p:sld>
+</file>
+
+<file path=ppt/slides/slide32.xml><?xml version="1.0" encoding="utf-8"?>
+<p:sld xmlns:a="http://schemas.openxmlformats.org/drawingml/2006/main" xmlns:r="http://schemas.openxmlformats.org/officeDocument/2006/relationships" xmlns:p="http://schemas.openxmlformats.org/presentationml/2006/main">
+  <p:cSld>
+    <p:spTree>
+      <p:nvGrpSpPr>
+        <p:cNvPr id="1" name=""/>
+        <p:cNvGrpSpPr/>
+        <p:nvPr/>
+      </p:nvGrpSpPr>
+      <p:grpSpPr>
+        <a:xfrm>
+          <a:off x="0" y="0"/>
+          <a:ext cx="0" cy="0"/>
+          <a:chOff x="0" y="0"/>
+          <a:chExt cx="0" cy="0"/>
+        </a:xfrm>
+      </p:grpSpPr>
+      <p:sp>
+        <p:nvSpPr>
+          <p:cNvPr id="2" name="Title 1">
+            <a:extLst>
+              <a:ext uri="{FF2B5EF4-FFF2-40B4-BE49-F238E27FC236}">
+                <a16:creationId xmlns:a16="http://schemas.microsoft.com/office/drawing/2014/main" id="{B551A4EA-F068-4B3D-B9FB-A241F7E483E4}"/>
+              </a:ext>
+            </a:extLst>
+          </p:cNvPr>
+          <p:cNvSpPr>
+            <a:spLocks noGrp="1"/>
+          </p:cNvSpPr>
+          <p:nvPr>
+            <p:ph type="title"/>
+          </p:nvPr>
+        </p:nvSpPr>
+        <p:spPr/>
+        <p:txBody>
+          <a:bodyPr/>
+          <a:lstStyle/>
+          <a:p>
+            <a:r>
+              <a:rPr lang="en-SG" dirty="0"/>
+              <a:t>Task: Draw your laptop stand</a:t>
+            </a:r>
+            <a:endParaRPr lang="en-US" dirty="0"/>
+          </a:p>
+        </p:txBody>
+      </p:sp>
+      <p:sp>
+        <p:nvSpPr>
+          <p:cNvPr id="3" name="Content Placeholder 2">
+            <a:extLst>
+              <a:ext uri="{FF2B5EF4-FFF2-40B4-BE49-F238E27FC236}">
+                <a16:creationId xmlns:a16="http://schemas.microsoft.com/office/drawing/2014/main" id="{A9C1AD0B-006D-416B-89F9-0E623600B5F2}"/>
+              </a:ext>
+            </a:extLst>
+          </p:cNvPr>
+          <p:cNvSpPr>
+            <a:spLocks noGrp="1"/>
+          </p:cNvSpPr>
+          <p:nvPr>
+            <p:ph idx="1"/>
+          </p:nvPr>
+        </p:nvSpPr>
+        <p:spPr>
+          <a:xfrm>
+            <a:off x="628650" y="1825625"/>
+            <a:ext cx="3323590" cy="4351338"/>
+          </a:xfrm>
+        </p:spPr>
+        <p:txBody>
+          <a:bodyPr/>
+          <a:lstStyle/>
+          <a:p>
+            <a:r>
+              <a:rPr lang="en-SG" sz="2400" dirty="0"/>
+              <a:t>Draw your own laptop stand (measure your laptop)</a:t>
+            </a:r>
+          </a:p>
+          <a:p>
+            <a:r>
+              <a:rPr lang="en-SG" sz="2400" dirty="0"/>
+              <a:t>Add features (?)</a:t>
+            </a:r>
+          </a:p>
+          <a:p>
+            <a:r>
+              <a:rPr lang="en-SG" sz="2400" dirty="0"/>
+              <a:t>Ref: </a:t>
+            </a:r>
+            <a:r>
+              <a:rPr lang="en-SG" sz="1800" dirty="0">
+                <a:hlinkClick r:id="rId2"/>
+              </a:rPr>
+              <a:t>https://youtu.be/7riGolu7BpA</a:t>
+            </a:r>
+            <a:endParaRPr lang="en-US" sz="2400" dirty="0"/>
+          </a:p>
+        </p:txBody>
+      </p:sp>
+      <p:sp>
+        <p:nvSpPr>
+          <p:cNvPr id="4" name="Slide Number Placeholder 3">
+            <a:extLst>
+              <a:ext uri="{FF2B5EF4-FFF2-40B4-BE49-F238E27FC236}">
+                <a16:creationId xmlns:a16="http://schemas.microsoft.com/office/drawing/2014/main" id="{BFE0184A-97DF-48BD-9FAF-FA7F0B6FF37F}"/>
+              </a:ext>
+            </a:extLst>
+          </p:cNvPr>
+          <p:cNvSpPr>
+            <a:spLocks noGrp="1"/>
+          </p:cNvSpPr>
+          <p:nvPr>
+            <p:ph type="sldNum" sz="quarter" idx="12"/>
+          </p:nvPr>
+        </p:nvSpPr>
+        <p:spPr/>
+        <p:txBody>
+          <a:bodyPr/>
+          <a:lstStyle/>
+          <a:p>
+            <a:fld id="{CAB166B3-F268-4CEF-878A-CFB0D0D505D3}" type="slidenum">
+              <a:rPr lang="en-US" smtClean="0"/>
+              <a:t>32</a:t>
+            </a:fld>
+            <a:endParaRPr lang="en-US"/>
+          </a:p>
+        </p:txBody>
+      </p:sp>
+      <p:pic>
+        <p:nvPicPr>
+          <p:cNvPr id="6" name="Picture 5">
+            <a:hlinkClick r:id="rId2"/>
+            <a:extLst>
+              <a:ext uri="{FF2B5EF4-FFF2-40B4-BE49-F238E27FC236}">
+                <a16:creationId xmlns:a16="http://schemas.microsoft.com/office/drawing/2014/main" id="{F91F4EDF-BD44-49DC-938B-7874C2448CC9}"/>
+              </a:ext>
+            </a:extLst>
+          </p:cNvPr>
+          <p:cNvPicPr>
+            <a:picLocks noChangeAspect="1"/>
+          </p:cNvPicPr>
+          <p:nvPr/>
+        </p:nvPicPr>
+        <p:blipFill>
+          <a:blip r:embed="rId3"/>
+          <a:stretch>
+            <a:fillRect/>
+          </a:stretch>
+        </p:blipFill>
+        <p:spPr>
+          <a:xfrm>
+            <a:off x="4055745" y="1690689"/>
+            <a:ext cx="4629150" cy="4238625"/>
+          </a:xfrm>
+          <a:prstGeom prst="rect">
+            <a:avLst/>
+          </a:prstGeom>
+        </p:spPr>
+      </p:pic>
+    </p:spTree>
+    <p:extLst>
+      <p:ext uri="{BB962C8B-B14F-4D97-AF65-F5344CB8AC3E}">
+        <p14:creationId xmlns:p14="http://schemas.microsoft.com/office/powerpoint/2010/main" val="1425600547"/>
+      </p:ext>
+    </p:extLst>
+  </p:cSld>
+  <p:clrMapOvr>
+    <a:masterClrMapping/>
+  </p:clrMapOvr>
+</p:sld>
+</file>
+
+<file path=ppt/slides/slide33.xml><?xml version="1.0" encoding="utf-8"?>
+<p:sld xmlns:a="http://schemas.openxmlformats.org/drawingml/2006/main" xmlns:r="http://schemas.openxmlformats.org/officeDocument/2006/relationships" xmlns:p="http://schemas.openxmlformats.org/presentationml/2006/main">
+  <p:cSld>
+    <p:spTree>
+      <p:nvGrpSpPr>
+        <p:cNvPr id="1" name=""/>
+        <p:cNvGrpSpPr/>
+        <p:nvPr/>
+      </p:nvGrpSpPr>
+      <p:grpSpPr>
+        <a:xfrm>
+          <a:off x="0" y="0"/>
+          <a:ext cx="0" cy="0"/>
+          <a:chOff x="0" y="0"/>
+          <a:chExt cx="0" cy="0"/>
+        </a:xfrm>
+      </p:grpSpPr>
+      <p:sp>
+        <p:nvSpPr>
+          <p:cNvPr id="2" name="Title 1">
+            <a:extLst>
+              <a:ext uri="{FF2B5EF4-FFF2-40B4-BE49-F238E27FC236}">
+                <a16:creationId xmlns:a16="http://schemas.microsoft.com/office/drawing/2014/main" id="{29757EC0-C4C7-4C21-8BBD-162462AD095F}"/>
+              </a:ext>
+            </a:extLst>
+          </p:cNvPr>
+          <p:cNvSpPr>
+            <a:spLocks noGrp="1"/>
+          </p:cNvSpPr>
+          <p:nvPr>
+            <p:ph type="ctrTitle"/>
+          </p:nvPr>
+        </p:nvSpPr>
+        <p:spPr/>
+        <p:txBody>
+          <a:bodyPr/>
+          <a:lstStyle/>
+          <a:p>
+            <a:r>
+              <a:rPr lang="en-US" dirty="0"/>
+              <a:t>EP1000</a:t>
+            </a:r>
+          </a:p>
+        </p:txBody>
+      </p:sp>
+      <p:sp>
+        <p:nvSpPr>
+          <p:cNvPr id="3" name="Subtitle 2">
+            <a:extLst>
+              <a:ext uri="{FF2B5EF4-FFF2-40B4-BE49-F238E27FC236}">
+                <a16:creationId xmlns:a16="http://schemas.microsoft.com/office/drawing/2014/main" id="{1F579C3D-8773-4BAF-B0E2-847945ECA23E}"/>
+              </a:ext>
+            </a:extLst>
+          </p:cNvPr>
+          <p:cNvSpPr>
+            <a:spLocks noGrp="1"/>
+          </p:cNvSpPr>
+          <p:nvPr>
+            <p:ph type="subTitle" idx="1"/>
+          </p:nvPr>
+        </p:nvSpPr>
+        <p:spPr/>
+        <p:txBody>
+          <a:bodyPr/>
+          <a:lstStyle/>
+          <a:p>
+            <a:r>
+              <a:rPr lang="en-US" dirty="0"/>
+              <a:t>Computer Controlled Cutting</a:t>
+            </a:r>
+          </a:p>
+          <a:p>
+            <a:r>
+              <a:rPr lang="en-US" dirty="0">
+                <a:solidFill>
+                  <a:srgbClr val="FF0000"/>
+                </a:solidFill>
+              </a:rPr>
+              <a:t>End</a:t>
+            </a:r>
+          </a:p>
+        </p:txBody>
+      </p:sp>
+    </p:spTree>
+    <p:extLst>
+      <p:ext uri="{BB962C8B-B14F-4D97-AF65-F5344CB8AC3E}">
+        <p14:creationId xmlns:p14="http://schemas.microsoft.com/office/powerpoint/2010/main" val="2293809126"/>
       </p:ext>
     </p:extLst>
   </p:cSld>
